--- a/000_Lecture_Project/week01/01_Lecture/02_Why_DP.pptx
+++ b/000_Lecture_Project/week01/01_Lecture/02_Why_DP.pptx
@@ -298,7 +298,7 @@
             <a:pPr algn="r">
               <a:buNone/>
             </a:pPr>
-            <a:fld id="{69CF67F0-0403-4EF2-AFB9-9723D985097B}" type="slidenum">
+            <a:fld id="{1E47C7AB-C09F-44F0-881C-E2419D90DBFC}" type="slidenum">
               <a:rPr b="0" lang="en-US" sz="1400" spc="-1" strike="noStrike">
                 <a:latin typeface="Times New Roman"/>
               </a:rPr>
@@ -346,7 +346,7 @@
         <p:spPr>
           <a:xfrm>
             <a:off x="1143000" y="685800"/>
-            <a:ext cx="4550760" cy="3407760"/>
+            <a:ext cx="4550400" cy="3407400"/>
           </a:xfrm>
           <a:prstGeom prst="rect">
             <a:avLst/>
@@ -369,7 +369,7 @@
         <p:spPr>
           <a:xfrm>
             <a:off x="685800" y="4343400"/>
-            <a:ext cx="5464800" cy="4093200"/>
+            <a:ext cx="5464440" cy="4092840"/>
           </a:xfrm>
           <a:prstGeom prst="rect">
             <a:avLst/>
@@ -403,7 +403,7 @@
         <p:spPr>
           <a:xfrm>
             <a:off x="3884760" y="8685360"/>
-            <a:ext cx="2950200" cy="435600"/>
+            <a:ext cx="2949840" cy="435240"/>
           </a:xfrm>
           <a:prstGeom prst="rect">
             <a:avLst/>
@@ -439,7 +439,7 @@
               </a:lnSpc>
               <a:buNone/>
             </a:pPr>
-            <a:fld id="{B84EB951-3FF1-4C53-B1C6-81120ABEF4E1}" type="slidenum">
+            <a:fld id="{EAA0F01F-81C5-4164-858F-AE3759F7B54F}" type="slidenum">
               <a:rPr b="0" lang="en-US" sz="1200" spc="-1" strike="noStrike">
                 <a:solidFill>
                   <a:srgbClr val="000000"/>
@@ -511,7 +511,7 @@
         <p:txBody>
           <a:bodyPr/>
           <a:p>
-            <a:fld id="{20064BD7-55C8-4558-9791-A75530915702}" type="slidenum">
+            <a:fld id="{4488088B-15A2-492C-8AE6-E082AF5611F1}" type="slidenum">
               <a:t>&lt;#&gt;</a:t>
             </a:fld>
           </a:p>
@@ -699,7 +699,7 @@
         <p:txBody>
           <a:bodyPr/>
           <a:p>
-            <a:fld id="{01F54A9B-6E9A-4352-B3BA-25FA523F3612}" type="slidenum">
+            <a:fld id="{7DD0D811-AAF6-4E01-97B3-4A1E699CEB5B}" type="slidenum">
               <a:t>&lt;#&gt;</a:t>
             </a:fld>
           </a:p>
@@ -955,7 +955,7 @@
         <p:txBody>
           <a:bodyPr/>
           <a:p>
-            <a:fld id="{15274F30-8F6B-4595-B1F0-58A5C45BF899}" type="slidenum">
+            <a:fld id="{1A651E06-ABAF-4FC8-A744-6AAA63DE6895}" type="slidenum">
               <a:t>&lt;#&gt;</a:t>
             </a:fld>
           </a:p>
@@ -1279,7 +1279,7 @@
         <p:txBody>
           <a:bodyPr/>
           <a:p>
-            <a:fld id="{8F95555A-2E27-43BC-96B4-A02BA9208D41}" type="slidenum">
+            <a:fld id="{8C2FF4B8-E91B-4F78-9BE3-FBD953F760CA}" type="slidenum">
               <a:t>&lt;#&gt;</a:t>
             </a:fld>
           </a:p>
@@ -1362,7 +1362,7 @@
         <p:txBody>
           <a:bodyPr/>
           <a:p>
-            <a:fld id="{7EF50F41-598B-477C-98F4-3669E2E989BD}" type="slidenum">
+            <a:fld id="{7D92B9EF-AEF9-44E4-B756-00FC1ADDEED0}" type="slidenum">
               <a:t>&lt;#&gt;</a:t>
             </a:fld>
           </a:p>
@@ -1519,7 +1519,7 @@
         <p:txBody>
           <a:bodyPr/>
           <a:p>
-            <a:fld id="{EF724F46-5B08-4D5B-BD1B-D19B1C3769F4}" type="slidenum">
+            <a:fld id="{5C3E5E83-68A4-4032-858F-5B3E759CB160}" type="slidenum">
               <a:t>&lt;#&gt;</a:t>
             </a:fld>
           </a:p>
@@ -1673,7 +1673,7 @@
         <p:txBody>
           <a:bodyPr/>
           <a:p>
-            <a:fld id="{7839AE67-58EB-4587-B235-8E597E5D8B25}" type="slidenum">
+            <a:fld id="{076ACC6E-7082-4BB8-848E-7A7E7838466C}" type="slidenum">
               <a:t>&lt;#&gt;</a:t>
             </a:fld>
           </a:p>
@@ -1861,7 +1861,7 @@
         <p:txBody>
           <a:bodyPr/>
           <a:p>
-            <a:fld id="{48DBC40A-DD04-4201-9C32-30B0D3C3542B}" type="slidenum">
+            <a:fld id="{D8FA96EE-0A8E-4206-8909-B9EC7987CEC4}" type="slidenum">
               <a:t>&lt;#&gt;</a:t>
             </a:fld>
           </a:p>
@@ -1981,7 +1981,7 @@
         <p:txBody>
           <a:bodyPr/>
           <a:p>
-            <a:fld id="{4C5D8A99-F09E-42F1-BDF1-7D6A92B63EE1}" type="slidenum">
+            <a:fld id="{0E6EF12F-A964-4D81-BEC2-21BDC83D0B7F}" type="slidenum">
               <a:t>&lt;#&gt;</a:t>
             </a:fld>
           </a:p>
@@ -2101,7 +2101,7 @@
         <p:txBody>
           <a:bodyPr/>
           <a:p>
-            <a:fld id="{4E49D4FA-4E18-494F-A179-4C4B06A262A4}" type="slidenum">
+            <a:fld id="{1ACD4F66-5981-4BD9-94BA-DBFF792D3E7D}" type="slidenum">
               <a:t>&lt;#&gt;</a:t>
             </a:fld>
           </a:p>
@@ -2323,7 +2323,7 @@
         <p:txBody>
           <a:bodyPr/>
           <a:p>
-            <a:fld id="{60A50428-7FFB-41B4-8E7C-84730A90748B}" type="slidenum">
+            <a:fld id="{29BC2D54-33C6-46EA-8169-9DAF43BD9476}" type="slidenum">
               <a:t>&lt;#&gt;</a:t>
             </a:fld>
           </a:p>
@@ -2480,7 +2480,7 @@
         <p:txBody>
           <a:bodyPr/>
           <a:p>
-            <a:fld id="{F2A9C04B-856F-4CF1-ABC8-E1A8788B24A0}" type="slidenum">
+            <a:fld id="{8567323A-E84B-47BB-A949-6958BCE686D7}" type="slidenum">
               <a:t>&lt;#&gt;</a:t>
             </a:fld>
           </a:p>
@@ -2702,7 +2702,7 @@
         <p:txBody>
           <a:bodyPr/>
           <a:p>
-            <a:fld id="{8D00967A-2B33-4E81-8659-1876B55B3705}" type="slidenum">
+            <a:fld id="{363930F9-5191-4DA3-86E0-8F4FF88E62C5}" type="slidenum">
               <a:t>&lt;#&gt;</a:t>
             </a:fld>
           </a:p>
@@ -2924,7 +2924,7 @@
         <p:txBody>
           <a:bodyPr/>
           <a:p>
-            <a:fld id="{E5B165F5-FB5A-481B-9390-CB5BB1EFB1E4}" type="slidenum">
+            <a:fld id="{F79F67BE-9FF8-41C3-86C5-99127E5E7ABD}" type="slidenum">
               <a:t>&lt;#&gt;</a:t>
             </a:fld>
           </a:p>
@@ -3112,7 +3112,7 @@
         <p:txBody>
           <a:bodyPr/>
           <a:p>
-            <a:fld id="{72C84088-59D0-4154-B428-F751680941B3}" type="slidenum">
+            <a:fld id="{9003FE80-F7F5-4CBB-8136-32E8E7FB92EE}" type="slidenum">
               <a:t>&lt;#&gt;</a:t>
             </a:fld>
           </a:p>
@@ -3368,7 +3368,7 @@
         <p:txBody>
           <a:bodyPr/>
           <a:p>
-            <a:fld id="{41517454-849F-41BA-99BC-3FD2AAF4A339}" type="slidenum">
+            <a:fld id="{23D6A06B-23B1-43AE-AB71-FCBE4BBC3B5A}" type="slidenum">
               <a:t>&lt;#&gt;</a:t>
             </a:fld>
           </a:p>
@@ -3692,7 +3692,7 @@
         <p:txBody>
           <a:bodyPr/>
           <a:p>
-            <a:fld id="{8B91FFFD-D352-4057-BDF6-03F0AF4F701D}" type="slidenum">
+            <a:fld id="{F273E17E-781A-495D-A06D-6C2DB3F7FB51}" type="slidenum">
               <a:t>&lt;#&gt;</a:t>
             </a:fld>
           </a:p>
@@ -3846,7 +3846,7 @@
         <p:txBody>
           <a:bodyPr/>
           <a:p>
-            <a:fld id="{86FB746C-96B0-4DE7-AD4D-B3B70338D838}" type="slidenum">
+            <a:fld id="{0FD23FFE-952B-43BD-8368-1307EB8E0D55}" type="slidenum">
               <a:t>&lt;#&gt;</a:t>
             </a:fld>
           </a:p>
@@ -4034,7 +4034,7 @@
         <p:txBody>
           <a:bodyPr/>
           <a:p>
-            <a:fld id="{7B3146BE-5F2E-4859-A77A-908AE3C328D4}" type="slidenum">
+            <a:fld id="{05A1DA91-AABC-4400-942D-607E74FE57C5}" type="slidenum">
               <a:t>&lt;#&gt;</a:t>
             </a:fld>
           </a:p>
@@ -4154,7 +4154,7 @@
         <p:txBody>
           <a:bodyPr/>
           <a:p>
-            <a:fld id="{3812CAE5-7616-4562-92B0-CA4CA025D820}" type="slidenum">
+            <a:fld id="{8CC5299C-0CA6-4EB1-8B85-CEDF7E74C038}" type="slidenum">
               <a:t>&lt;#&gt;</a:t>
             </a:fld>
           </a:p>
@@ -4274,7 +4274,7 @@
         <p:txBody>
           <a:bodyPr/>
           <a:p>
-            <a:fld id="{0E1086D7-FD4D-4F2C-BE1D-42048AF93ACB}" type="slidenum">
+            <a:fld id="{4A10BCEA-B2E5-472B-92E9-F40C07FB5826}" type="slidenum">
               <a:t>&lt;#&gt;</a:t>
             </a:fld>
           </a:p>
@@ -4496,7 +4496,7 @@
         <p:txBody>
           <a:bodyPr/>
           <a:p>
-            <a:fld id="{AB9E7C6D-E9A0-4FFA-A5DD-9C62E186FF77}" type="slidenum">
+            <a:fld id="{81FA3BC5-BD2F-455C-BB43-7631B1621A75}" type="slidenum">
               <a:t>&lt;#&gt;</a:t>
             </a:fld>
           </a:p>
@@ -4718,7 +4718,7 @@
         <p:txBody>
           <a:bodyPr/>
           <a:p>
-            <a:fld id="{6ED6E97D-2082-4DCF-B3B9-9AD03739D9F1}" type="slidenum">
+            <a:fld id="{13B541F8-3F16-4247-91C2-CC1541F2553B}" type="slidenum">
               <a:t>&lt;#&gt;</a:t>
             </a:fld>
           </a:p>
@@ -4940,7 +4940,7 @@
         <p:txBody>
           <a:bodyPr/>
           <a:p>
-            <a:fld id="{27226073-E66D-46F2-839B-65224BCCAAD8}" type="slidenum">
+            <a:fld id="{E0357A85-D36F-4636-870B-99D716B212E1}" type="slidenum">
               <a:t>&lt;#&gt;</a:t>
             </a:fld>
           </a:p>
@@ -5009,7 +5009,7 @@
         <p:spPr>
           <a:xfrm>
             <a:off x="3124080" y="6356520"/>
-            <a:ext cx="2873880" cy="343440"/>
+            <a:ext cx="2873520" cy="343080"/>
           </a:xfrm>
           <a:prstGeom prst="rect">
             <a:avLst/>
@@ -5074,7 +5074,7 @@
         <p:spPr>
           <a:xfrm>
             <a:off x="6553080" y="6356520"/>
-            <a:ext cx="2112120" cy="343440"/>
+            <a:ext cx="2111760" cy="343080"/>
           </a:xfrm>
           <a:prstGeom prst="rect">
             <a:avLst/>
@@ -5110,7 +5110,7 @@
               </a:lnSpc>
               <a:buNone/>
             </a:pPr>
-            <a:fld id="{B73551C8-C873-42AE-A77A-5CE0D8CBC03A}" type="slidenum">
+            <a:fld id="{06A2CFC6-C552-4EB1-8DC7-32A2C798CABC}" type="slidenum">
               <a:rPr b="0" lang="en-US" sz="1200" spc="-1" strike="noStrike">
                 <a:solidFill>
                   <a:srgbClr val="8b8b8b"/>
@@ -5139,7 +5139,7 @@
         <p:spPr>
           <a:xfrm>
             <a:off x="457200" y="6356520"/>
-            <a:ext cx="2112120" cy="343440"/>
+            <a:ext cx="2111760" cy="343080"/>
           </a:xfrm>
           <a:prstGeom prst="rect">
             <a:avLst/>
@@ -5456,7 +5456,7 @@
         <p:spPr>
           <a:xfrm>
             <a:off x="3124080" y="6356520"/>
-            <a:ext cx="2873880" cy="343440"/>
+            <a:ext cx="2873520" cy="343080"/>
           </a:xfrm>
           <a:prstGeom prst="rect">
             <a:avLst/>
@@ -5521,7 +5521,7 @@
         <p:spPr>
           <a:xfrm>
             <a:off x="6553080" y="6356520"/>
-            <a:ext cx="2112120" cy="343440"/>
+            <a:ext cx="2111760" cy="343080"/>
           </a:xfrm>
           <a:prstGeom prst="rect">
             <a:avLst/>
@@ -5557,7 +5557,7 @@
               </a:lnSpc>
               <a:buNone/>
             </a:pPr>
-            <a:fld id="{4276F9BB-FE96-4082-B696-0C4D015C9DF3}" type="slidenum">
+            <a:fld id="{274C5852-BDC1-4223-BC6F-210673596A01}" type="slidenum">
               <a:rPr b="0" lang="en-US" sz="1200" spc="-1" strike="noStrike">
                 <a:solidFill>
                   <a:srgbClr val="8b8b8b"/>
@@ -5586,7 +5586,7 @@
         <p:spPr>
           <a:xfrm>
             <a:off x="457200" y="6356520"/>
-            <a:ext cx="2112120" cy="343440"/>
+            <a:ext cx="2111760" cy="343080"/>
           </a:xfrm>
           <a:prstGeom prst="rect">
             <a:avLst/>
@@ -5896,7 +5896,7 @@
         <p:spPr>
           <a:xfrm>
             <a:off x="0" y="2130480"/>
-            <a:ext cx="9142200" cy="1448280"/>
+            <a:ext cx="9141840" cy="1447920"/>
           </a:xfrm>
           <a:prstGeom prst="rect">
             <a:avLst/>
@@ -5948,7 +5948,7 @@
         <p:spPr>
           <a:xfrm>
             <a:off x="1371600" y="4563360"/>
-            <a:ext cx="6379200" cy="673200"/>
+            <a:ext cx="6378840" cy="672840"/>
           </a:xfrm>
           <a:prstGeom prst="rect">
             <a:avLst/>
@@ -6004,7 +6004,7 @@
         <p:spPr>
           <a:xfrm>
             <a:off x="4212000" y="3645000"/>
-            <a:ext cx="920160" cy="891360"/>
+            <a:ext cx="919800" cy="891000"/>
           </a:xfrm>
           <a:prstGeom prst="rect">
             <a:avLst/>
@@ -6028,7 +6028,7 @@
         <p:txBody>
           <a:bodyPr/>
           <a:p>
-            <a:fld id="{47499489-EE84-4DB9-A70E-1CBF3BFDF88A}" type="slidenum">
+            <a:fld id="{BA9E9737-EA16-4BFE-BDAB-EC0C8C5716B2}" type="slidenum">
               <a:t>1</a:t>
             </a:fld>
           </a:p>
@@ -6048,9 +6048,9 @@
         <p:txBody>
           <a:bodyPr/>
           <a:p>
-            <a:fld id="{6E7DDCC6-E840-4747-B643-72949A612E78}" type="datetime1">
+            <a:fld id="{647B677B-EA44-4448-B869-A9FC581A45EC}" type="datetime1">
               <a:rPr lang="en-US"/>
-              <a:t>01/18/2024</a:t>
+              <a:t>01/25/2024</a:t>
             </a:fld>
           </a:p>
         </p:txBody>
@@ -6098,7 +6098,7 @@
         <p:spPr>
           <a:xfrm>
             <a:off x="0" y="0"/>
-            <a:ext cx="9141480" cy="743040"/>
+            <a:ext cx="9141120" cy="742680"/>
           </a:xfrm>
           <a:prstGeom prst="rect">
             <a:avLst/>
@@ -6158,7 +6158,7 @@
         <p:spPr>
           <a:xfrm>
             <a:off x="232200" y="1302120"/>
-            <a:ext cx="8667000" cy="2126160"/>
+            <a:ext cx="8666640" cy="2125800"/>
           </a:xfrm>
           <a:prstGeom prst="rect">
             <a:avLst/>
@@ -6325,7 +6325,7 @@
         <p:spPr>
           <a:xfrm>
             <a:off x="2880" y="759600"/>
-            <a:ext cx="9138600" cy="338400"/>
+            <a:ext cx="9138240" cy="338040"/>
           </a:xfrm>
           <a:prstGeom prst="rect">
             <a:avLst/>
@@ -6391,7 +6391,7 @@
         <p:spPr>
           <a:xfrm>
             <a:off x="6553080" y="6356520"/>
-            <a:ext cx="2112120" cy="343440"/>
+            <a:ext cx="2111760" cy="343080"/>
           </a:xfrm>
           <a:prstGeom prst="rect">
             <a:avLst/>
@@ -6427,7 +6427,7 @@
               </a:lnSpc>
               <a:buNone/>
             </a:pPr>
-            <a:fld id="{74F6D042-D68B-43AC-9F11-785420634ED6}" type="slidenum">
+            <a:fld id="{72928AAE-A6E7-4ADB-A057-BE6EB78C79FC}" type="slidenum">
               <a:rPr b="0" lang="en-US" sz="1200" spc="-1" strike="noStrike">
                 <a:solidFill>
                   <a:srgbClr val="8b8b8b"/>
@@ -6456,7 +6456,7 @@
         <p:spPr>
           <a:xfrm>
             <a:off x="2743200" y="4114800"/>
-            <a:ext cx="3495240" cy="666360"/>
+            <a:ext cx="3494880" cy="666000"/>
           </a:xfrm>
           <a:prstGeom prst="rect">
             <a:avLst/>
@@ -6482,9 +6482,9 @@
         <p:txBody>
           <a:bodyPr/>
           <a:p>
-            <a:fld id="{CC19632B-4505-4BC6-8691-510F64EF9FB4}" type="datetime1">
+            <a:fld id="{5CE6B7E9-39DD-4971-917E-958F891F77A8}" type="datetime1">
               <a:rPr lang="en-US"/>
-              <a:t>01/18/2024</a:t>
+              <a:t>01/25/2024</a:t>
             </a:fld>
           </a:p>
         </p:txBody>
@@ -6532,7 +6532,7 @@
         <p:spPr>
           <a:xfrm>
             <a:off x="0" y="0"/>
-            <a:ext cx="9141480" cy="743040"/>
+            <a:ext cx="9141120" cy="742680"/>
           </a:xfrm>
           <a:prstGeom prst="rect">
             <a:avLst/>
@@ -6592,7 +6592,7 @@
         <p:spPr>
           <a:xfrm>
             <a:off x="248400" y="1302120"/>
-            <a:ext cx="8667000" cy="983880"/>
+            <a:ext cx="4323600" cy="1441080"/>
           </a:xfrm>
           <a:prstGeom prst="rect">
             <a:avLst/>
@@ -6630,487 +6630,7 @@
                 <a:latin typeface="Calibri"/>
                 <a:ea typeface="DejaVu Sans"/>
               </a:rPr>
-              <a:t>W</a:t>
-            </a:r>
-            <a:r>
-              <a:rPr b="1" lang="en-US" sz="1300" spc="-1" strike="noStrike">
-                <a:solidFill>
-                  <a:srgbClr val="000000"/>
-                </a:solidFill>
-                <a:latin typeface="Calibri"/>
-                <a:ea typeface="DejaVu Sans"/>
-              </a:rPr>
-              <a:t>h</a:t>
-            </a:r>
-            <a:r>
-              <a:rPr b="1" lang="en-US" sz="1300" spc="-1" strike="noStrike">
-                <a:solidFill>
-                  <a:srgbClr val="000000"/>
-                </a:solidFill>
-                <a:latin typeface="Calibri"/>
-                <a:ea typeface="DejaVu Sans"/>
-              </a:rPr>
-              <a:t>y</a:t>
-            </a:r>
-            <a:r>
-              <a:rPr b="1" lang="en-US" sz="1300" spc="-1" strike="noStrike">
-                <a:solidFill>
-                  <a:srgbClr val="000000"/>
-                </a:solidFill>
-                <a:latin typeface="Calibri"/>
-                <a:ea typeface="DejaVu Sans"/>
-              </a:rPr>
-              <a:t> </a:t>
-            </a:r>
-            <a:r>
-              <a:rPr b="1" lang="en-US" sz="1300" spc="-1" strike="noStrike">
-                <a:solidFill>
-                  <a:srgbClr val="000000"/>
-                </a:solidFill>
-                <a:latin typeface="Calibri"/>
-                <a:ea typeface="DejaVu Sans"/>
-              </a:rPr>
-              <a:t>D</a:t>
-            </a:r>
-            <a:r>
-              <a:rPr b="1" lang="en-US" sz="1300" spc="-1" strike="noStrike">
-                <a:solidFill>
-                  <a:srgbClr val="000000"/>
-                </a:solidFill>
-                <a:latin typeface="Calibri"/>
-                <a:ea typeface="DejaVu Sans"/>
-              </a:rPr>
-              <a:t>e</a:t>
-            </a:r>
-            <a:r>
-              <a:rPr b="1" lang="en-US" sz="1300" spc="-1" strike="noStrike">
-                <a:solidFill>
-                  <a:srgbClr val="000000"/>
-                </a:solidFill>
-                <a:latin typeface="Calibri"/>
-                <a:ea typeface="DejaVu Sans"/>
-              </a:rPr>
-              <a:t>e</a:t>
-            </a:r>
-            <a:r>
-              <a:rPr b="1" lang="en-US" sz="1300" spc="-1" strike="noStrike">
-                <a:solidFill>
-                  <a:srgbClr val="000000"/>
-                </a:solidFill>
-                <a:latin typeface="Calibri"/>
-                <a:ea typeface="DejaVu Sans"/>
-              </a:rPr>
-              <a:t>p</a:t>
-            </a:r>
-            <a:r>
-              <a:rPr b="1" lang="en-US" sz="1300" spc="-1" strike="noStrike">
-                <a:solidFill>
-                  <a:srgbClr val="000000"/>
-                </a:solidFill>
-                <a:latin typeface="Calibri"/>
-                <a:ea typeface="DejaVu Sans"/>
-              </a:rPr>
-              <a:t> </a:t>
-            </a:r>
-            <a:r>
-              <a:rPr b="1" lang="en-US" sz="1300" spc="-1" strike="noStrike">
-                <a:solidFill>
-                  <a:srgbClr val="000000"/>
-                </a:solidFill>
-                <a:latin typeface="Calibri"/>
-                <a:ea typeface="DejaVu Sans"/>
-              </a:rPr>
-              <a:t>L</a:t>
-            </a:r>
-            <a:r>
-              <a:rPr b="1" lang="en-US" sz="1300" spc="-1" strike="noStrike">
-                <a:solidFill>
-                  <a:srgbClr val="000000"/>
-                </a:solidFill>
-                <a:latin typeface="Calibri"/>
-                <a:ea typeface="DejaVu Sans"/>
-              </a:rPr>
-              <a:t>e</a:t>
-            </a:r>
-            <a:r>
-              <a:rPr b="1" lang="en-US" sz="1300" spc="-1" strike="noStrike">
-                <a:solidFill>
-                  <a:srgbClr val="000000"/>
-                </a:solidFill>
-                <a:latin typeface="Calibri"/>
-                <a:ea typeface="DejaVu Sans"/>
-              </a:rPr>
-              <a:t>a</a:t>
-            </a:r>
-            <a:r>
-              <a:rPr b="1" lang="en-US" sz="1300" spc="-1" strike="noStrike">
-                <a:solidFill>
-                  <a:srgbClr val="000000"/>
-                </a:solidFill>
-                <a:latin typeface="Calibri"/>
-                <a:ea typeface="DejaVu Sans"/>
-              </a:rPr>
-              <a:t>r</a:t>
-            </a:r>
-            <a:r>
-              <a:rPr b="1" lang="en-US" sz="1300" spc="-1" strike="noStrike">
-                <a:solidFill>
-                  <a:srgbClr val="000000"/>
-                </a:solidFill>
-                <a:latin typeface="Calibri"/>
-                <a:ea typeface="DejaVu Sans"/>
-              </a:rPr>
-              <a:t>n</a:t>
-            </a:r>
-            <a:r>
-              <a:rPr b="1" lang="en-US" sz="1300" spc="-1" strike="noStrike">
-                <a:solidFill>
-                  <a:srgbClr val="000000"/>
-                </a:solidFill>
-                <a:latin typeface="Calibri"/>
-                <a:ea typeface="DejaVu Sans"/>
-              </a:rPr>
-              <a:t>i</a:t>
-            </a:r>
-            <a:r>
-              <a:rPr b="1" lang="en-US" sz="1300" spc="-1" strike="noStrike">
-                <a:solidFill>
-                  <a:srgbClr val="000000"/>
-                </a:solidFill>
-                <a:latin typeface="Calibri"/>
-                <a:ea typeface="DejaVu Sans"/>
-              </a:rPr>
-              <a:t>n</a:t>
-            </a:r>
-            <a:r>
-              <a:rPr b="1" lang="en-US" sz="1300" spc="-1" strike="noStrike">
-                <a:solidFill>
-                  <a:srgbClr val="000000"/>
-                </a:solidFill>
-                <a:latin typeface="Calibri"/>
-                <a:ea typeface="DejaVu Sans"/>
-              </a:rPr>
-              <a:t>g</a:t>
-            </a:r>
-            <a:r>
-              <a:rPr b="1" lang="en-US" sz="1300" spc="-1" strike="noStrike">
-                <a:solidFill>
-                  <a:srgbClr val="000000"/>
-                </a:solidFill>
-                <a:latin typeface="Calibri"/>
-                <a:ea typeface="DejaVu Sans"/>
-              </a:rPr>
-              <a:t> </a:t>
-            </a:r>
-            <a:r>
-              <a:rPr b="1" lang="en-US" sz="1300" spc="-1" strike="noStrike">
-                <a:solidFill>
-                  <a:srgbClr val="000000"/>
-                </a:solidFill>
-                <a:latin typeface="Calibri"/>
-                <a:ea typeface="DejaVu Sans"/>
-              </a:rPr>
-              <a:t>i</a:t>
-            </a:r>
-            <a:r>
-              <a:rPr b="1" lang="en-US" sz="1300" spc="-1" strike="noStrike">
-                <a:solidFill>
-                  <a:srgbClr val="000000"/>
-                </a:solidFill>
-                <a:latin typeface="Calibri"/>
-                <a:ea typeface="DejaVu Sans"/>
-              </a:rPr>
-              <a:t>s</a:t>
-            </a:r>
-            <a:r>
-              <a:rPr b="1" lang="en-US" sz="1300" spc="-1" strike="noStrike">
-                <a:solidFill>
-                  <a:srgbClr val="000000"/>
-                </a:solidFill>
-                <a:latin typeface="Calibri"/>
-                <a:ea typeface="DejaVu Sans"/>
-              </a:rPr>
-              <a:t> </a:t>
-            </a:r>
-            <a:r>
-              <a:rPr b="1" lang="en-US" sz="1300" spc="-1" strike="noStrike">
-                <a:solidFill>
-                  <a:srgbClr val="000000"/>
-                </a:solidFill>
-                <a:latin typeface="Calibri"/>
-                <a:ea typeface="DejaVu Sans"/>
-              </a:rPr>
-              <a:t>s</a:t>
-            </a:r>
-            <a:r>
-              <a:rPr b="1" lang="en-US" sz="1300" spc="-1" strike="noStrike">
-                <a:solidFill>
-                  <a:srgbClr val="000000"/>
-                </a:solidFill>
-                <a:latin typeface="Calibri"/>
-                <a:ea typeface="DejaVu Sans"/>
-              </a:rPr>
-              <a:t>o</a:t>
-            </a:r>
-            <a:r>
-              <a:rPr b="1" lang="en-US" sz="1300" spc="-1" strike="noStrike">
-                <a:solidFill>
-                  <a:srgbClr val="000000"/>
-                </a:solidFill>
-                <a:latin typeface="Calibri"/>
-                <a:ea typeface="DejaVu Sans"/>
-              </a:rPr>
-              <a:t> </a:t>
-            </a:r>
-            <a:r>
-              <a:rPr b="1" lang="en-US" sz="1300" spc="-1" strike="noStrike">
-                <a:solidFill>
-                  <a:srgbClr val="000000"/>
-                </a:solidFill>
-                <a:latin typeface="Calibri"/>
-                <a:ea typeface="DejaVu Sans"/>
-              </a:rPr>
-              <a:t>P</a:t>
-            </a:r>
-            <a:r>
-              <a:rPr b="1" lang="en-US" sz="1300" spc="-1" strike="noStrike">
-                <a:solidFill>
-                  <a:srgbClr val="000000"/>
-                </a:solidFill>
-                <a:latin typeface="Calibri"/>
-                <a:ea typeface="DejaVu Sans"/>
-              </a:rPr>
-              <a:t>o</a:t>
-            </a:r>
-            <a:r>
-              <a:rPr b="1" lang="en-US" sz="1300" spc="-1" strike="noStrike">
-                <a:solidFill>
-                  <a:srgbClr val="000000"/>
-                </a:solidFill>
-                <a:latin typeface="Calibri"/>
-                <a:ea typeface="DejaVu Sans"/>
-              </a:rPr>
-              <a:t>p</a:t>
-            </a:r>
-            <a:r>
-              <a:rPr b="1" lang="en-US" sz="1300" spc="-1" strike="noStrike">
-                <a:solidFill>
-                  <a:srgbClr val="000000"/>
-                </a:solidFill>
-                <a:latin typeface="Calibri"/>
-                <a:ea typeface="DejaVu Sans"/>
-              </a:rPr>
-              <a:t>u</a:t>
-            </a:r>
-            <a:r>
-              <a:rPr b="1" lang="en-US" sz="1300" spc="-1" strike="noStrike">
-                <a:solidFill>
-                  <a:srgbClr val="000000"/>
-                </a:solidFill>
-                <a:latin typeface="Calibri"/>
-                <a:ea typeface="DejaVu Sans"/>
-              </a:rPr>
-              <a:t>l</a:t>
-            </a:r>
-            <a:r>
-              <a:rPr b="1" lang="en-US" sz="1300" spc="-1" strike="noStrike">
-                <a:solidFill>
-                  <a:srgbClr val="000000"/>
-                </a:solidFill>
-                <a:latin typeface="Calibri"/>
-                <a:ea typeface="DejaVu Sans"/>
-              </a:rPr>
-              <a:t>a</a:t>
-            </a:r>
-            <a:r>
-              <a:rPr b="1" lang="en-US" sz="1300" spc="-1" strike="noStrike">
-                <a:solidFill>
-                  <a:srgbClr val="000000"/>
-                </a:solidFill>
-                <a:latin typeface="Calibri"/>
-                <a:ea typeface="DejaVu Sans"/>
-              </a:rPr>
-              <a:t>r</a:t>
-            </a:r>
-            <a:r>
-              <a:rPr b="1" lang="en-US" sz="1300" spc="-1" strike="noStrike">
-                <a:solidFill>
-                  <a:srgbClr val="000000"/>
-                </a:solidFill>
-                <a:latin typeface="Calibri"/>
-                <a:ea typeface="DejaVu Sans"/>
-              </a:rPr>
-              <a:t>?</a:t>
-            </a:r>
-            <a:r>
-              <a:rPr b="1" lang="en-US" sz="1300" spc="-1" strike="noStrike">
-                <a:solidFill>
-                  <a:srgbClr val="000000"/>
-                </a:solidFill>
-                <a:latin typeface="Calibri"/>
-                <a:ea typeface="DejaVu Sans"/>
-              </a:rPr>
-              <a:t> </a:t>
-            </a:r>
-            <a:r>
-              <a:rPr b="1" lang="en-US" sz="1300" spc="-1" strike="noStrike">
-                <a:solidFill>
-                  <a:srgbClr val="000000"/>
-                </a:solidFill>
-                <a:latin typeface="Calibri"/>
-                <a:ea typeface="DejaVu Sans"/>
-              </a:rPr>
-              <a:t>(</a:t>
-            </a:r>
-            <a:r>
-              <a:rPr b="1" lang="en-US" sz="1300" spc="-1" strike="noStrike">
-                <a:solidFill>
-                  <a:srgbClr val="000000"/>
-                </a:solidFill>
-                <a:latin typeface="Calibri"/>
-                <a:ea typeface="DejaVu Sans"/>
-              </a:rPr>
-              <a:t>2</a:t>
-            </a:r>
-            <a:r>
-              <a:rPr b="1" lang="en-US" sz="1300" spc="-1" strike="noStrike">
-                <a:solidFill>
-                  <a:srgbClr val="000000"/>
-                </a:solidFill>
-                <a:latin typeface="Calibri"/>
-                <a:ea typeface="DejaVu Sans"/>
-              </a:rPr>
-              <a:t>:</a:t>
-            </a:r>
-            <a:r>
-              <a:rPr b="1" lang="en-US" sz="1300" spc="-1" strike="noStrike">
-                <a:solidFill>
-                  <a:srgbClr val="000000"/>
-                </a:solidFill>
-                <a:latin typeface="Calibri"/>
-                <a:ea typeface="DejaVu Sans"/>
-              </a:rPr>
-              <a:t>0</a:t>
-            </a:r>
-            <a:r>
-              <a:rPr b="1" lang="en-US" sz="1300" spc="-1" strike="noStrike">
-                <a:solidFill>
-                  <a:srgbClr val="000000"/>
-                </a:solidFill>
-                <a:latin typeface="Calibri"/>
-                <a:ea typeface="DejaVu Sans"/>
-              </a:rPr>
-              <a:t>1</a:t>
-            </a:r>
-            <a:r>
-              <a:rPr b="1" lang="en-US" sz="1300" spc="-1" strike="noStrike">
-                <a:solidFill>
-                  <a:srgbClr val="000000"/>
-                </a:solidFill>
-                <a:latin typeface="Calibri"/>
-                <a:ea typeface="DejaVu Sans"/>
-              </a:rPr>
-              <a:t>-</a:t>
-            </a:r>
-            <a:r>
-              <a:rPr b="1" lang="en-US" sz="1300" spc="-1" strike="noStrike">
-                <a:solidFill>
-                  <a:srgbClr val="000000"/>
-                </a:solidFill>
-                <a:latin typeface="Calibri"/>
-                <a:ea typeface="DejaVu Sans"/>
-              </a:rPr>
-              <a:t>2</a:t>
-            </a:r>
-            <a:r>
-              <a:rPr b="1" lang="en-US" sz="1300" spc="-1" strike="noStrike">
-                <a:solidFill>
-                  <a:srgbClr val="000000"/>
-                </a:solidFill>
-                <a:latin typeface="Calibri"/>
-                <a:ea typeface="DejaVu Sans"/>
-              </a:rPr>
-              <a:t>:</a:t>
-            </a:r>
-            <a:r>
-              <a:rPr b="1" lang="en-US" sz="1300" spc="-1" strike="noStrike">
-                <a:solidFill>
-                  <a:srgbClr val="000000"/>
-                </a:solidFill>
-                <a:latin typeface="Calibri"/>
-                <a:ea typeface="DejaVu Sans"/>
-              </a:rPr>
-              <a:t>3</a:t>
-            </a:r>
-            <a:r>
-              <a:rPr b="1" lang="en-US" sz="1300" spc="-1" strike="noStrike">
-                <a:solidFill>
-                  <a:srgbClr val="000000"/>
-                </a:solidFill>
-                <a:latin typeface="Calibri"/>
-                <a:ea typeface="DejaVu Sans"/>
-              </a:rPr>
-              <a:t>0</a:t>
-            </a:r>
-            <a:r>
-              <a:rPr b="1" lang="en-US" sz="1300" spc="-1" strike="noStrike">
-                <a:solidFill>
-                  <a:srgbClr val="000000"/>
-                </a:solidFill>
-                <a:latin typeface="Calibri"/>
-                <a:ea typeface="DejaVu Sans"/>
-              </a:rPr>
-              <a:t>/</a:t>
-            </a:r>
-            <a:r>
-              <a:rPr b="1" lang="en-US" sz="1300" spc="-1" strike="noStrike">
-                <a:solidFill>
-                  <a:srgbClr val="000000"/>
-                </a:solidFill>
-                <a:latin typeface="Calibri"/>
-                <a:ea typeface="DejaVu Sans"/>
-              </a:rPr>
-              <a:t>5</a:t>
-            </a:r>
-            <a:r>
-              <a:rPr b="1" lang="en-US" sz="1300" spc="-1" strike="noStrike">
-                <a:solidFill>
-                  <a:srgbClr val="000000"/>
-                </a:solidFill>
-                <a:latin typeface="Calibri"/>
-                <a:ea typeface="DejaVu Sans"/>
-              </a:rPr>
-              <a:t>:</a:t>
-            </a:r>
-            <a:r>
-              <a:rPr b="1" lang="en-US" sz="1300" spc="-1" strike="noStrike">
-                <a:solidFill>
-                  <a:srgbClr val="000000"/>
-                </a:solidFill>
-                <a:latin typeface="Calibri"/>
-                <a:ea typeface="DejaVu Sans"/>
-              </a:rPr>
-              <a:t>2</a:t>
-            </a:r>
-            <a:r>
-              <a:rPr b="1" lang="en-US" sz="1300" spc="-1" strike="noStrike">
-                <a:solidFill>
-                  <a:srgbClr val="000000"/>
-                </a:solidFill>
-                <a:latin typeface="Calibri"/>
-                <a:ea typeface="DejaVu Sans"/>
-              </a:rPr>
-              <a:t>4</a:t>
-            </a:r>
-            <a:r>
-              <a:rPr b="1" lang="en-US" sz="1300" spc="-1" strike="noStrike">
-                <a:solidFill>
-                  <a:srgbClr val="000000"/>
-                </a:solidFill>
-                <a:latin typeface="Calibri"/>
-                <a:ea typeface="DejaVu Sans"/>
-              </a:rPr>
-              <a:t>)</a:t>
+              <a:t>Why Deep Learning is so Popular? (2:01-2:30/5:24)</a:t>
             </a:r>
             <a:endParaRPr b="0" lang="en-US" sz="1300" spc="-1" strike="noStrike">
               <a:latin typeface="Arial"/>
@@ -7138,247 +6658,7 @@
                 <a:latin typeface="Calibri"/>
                 <a:ea typeface="DejaVu Sans"/>
               </a:rPr>
-              <a:t>2</a:t>
-            </a:r>
-            <a:r>
-              <a:rPr b="0" lang="en-US" sz="1300" spc="-1" strike="noStrike">
-                <a:solidFill>
-                  <a:srgbClr val="000000"/>
-                </a:solidFill>
-                <a:latin typeface="Calibri"/>
-                <a:ea typeface="DejaVu Sans"/>
-              </a:rPr>
-              <a:t>.</a:t>
-            </a:r>
-            <a:r>
-              <a:rPr b="0" lang="en-US" sz="1300" spc="-1" strike="noStrike">
-                <a:solidFill>
-                  <a:srgbClr val="000000"/>
-                </a:solidFill>
-                <a:latin typeface="Calibri"/>
-                <a:ea typeface="DejaVu Sans"/>
-              </a:rPr>
-              <a:t> </a:t>
-            </a:r>
-            <a:r>
-              <a:rPr b="0" lang="en-US" sz="1300" spc="-1" strike="noStrike">
-                <a:solidFill>
-                  <a:srgbClr val="000000"/>
-                </a:solidFill>
-                <a:latin typeface="Calibri"/>
-                <a:ea typeface="DejaVu Sans"/>
-              </a:rPr>
-              <a:t>H</a:t>
-            </a:r>
-            <a:r>
-              <a:rPr b="0" lang="en-US" sz="1300" spc="-1" strike="noStrike">
-                <a:solidFill>
-                  <a:srgbClr val="000000"/>
-                </a:solidFill>
-                <a:latin typeface="Calibri"/>
-                <a:ea typeface="DejaVu Sans"/>
-              </a:rPr>
-              <a:t>a</a:t>
-            </a:r>
-            <a:r>
-              <a:rPr b="0" lang="en-US" sz="1300" spc="-1" strike="noStrike">
-                <a:solidFill>
-                  <a:srgbClr val="000000"/>
-                </a:solidFill>
-                <a:latin typeface="Calibri"/>
-                <a:ea typeface="DejaVu Sans"/>
-              </a:rPr>
-              <a:t>r</a:t>
-            </a:r>
-            <a:r>
-              <a:rPr b="0" lang="en-US" sz="1300" spc="-1" strike="noStrike">
-                <a:solidFill>
-                  <a:srgbClr val="000000"/>
-                </a:solidFill>
-                <a:latin typeface="Calibri"/>
-                <a:ea typeface="DejaVu Sans"/>
-              </a:rPr>
-              <a:t>d</a:t>
-            </a:r>
-            <a:r>
-              <a:rPr b="0" lang="en-US" sz="1300" spc="-1" strike="noStrike">
-                <a:solidFill>
-                  <a:srgbClr val="000000"/>
-                </a:solidFill>
-                <a:latin typeface="Calibri"/>
-                <a:ea typeface="DejaVu Sans"/>
-              </a:rPr>
-              <a:t>w</a:t>
-            </a:r>
-            <a:r>
-              <a:rPr b="0" lang="en-US" sz="1300" spc="-1" strike="noStrike">
-                <a:solidFill>
-                  <a:srgbClr val="000000"/>
-                </a:solidFill>
-                <a:latin typeface="Calibri"/>
-                <a:ea typeface="DejaVu Sans"/>
-              </a:rPr>
-              <a:t>a</a:t>
-            </a:r>
-            <a:r>
-              <a:rPr b="0" lang="en-US" sz="1300" spc="-1" strike="noStrike">
-                <a:solidFill>
-                  <a:srgbClr val="000000"/>
-                </a:solidFill>
-                <a:latin typeface="Calibri"/>
-                <a:ea typeface="DejaVu Sans"/>
-              </a:rPr>
-              <a:t>r</a:t>
-            </a:r>
-            <a:r>
-              <a:rPr b="0" lang="en-US" sz="1300" spc="-1" strike="noStrike">
-                <a:solidFill>
-                  <a:srgbClr val="000000"/>
-                </a:solidFill>
-                <a:latin typeface="Calibri"/>
-                <a:ea typeface="DejaVu Sans"/>
-              </a:rPr>
-              <a:t>e</a:t>
-            </a:r>
-            <a:r>
-              <a:rPr b="0" lang="en-US" sz="1300" spc="-1" strike="noStrike">
-                <a:solidFill>
-                  <a:srgbClr val="000000"/>
-                </a:solidFill>
-                <a:latin typeface="Calibri"/>
-                <a:ea typeface="DejaVu Sans"/>
-              </a:rPr>
-              <a:t> </a:t>
-            </a:r>
-            <a:r>
-              <a:rPr b="0" lang="en-US" sz="1300" spc="-1" strike="noStrike">
-                <a:solidFill>
-                  <a:srgbClr val="000000"/>
-                </a:solidFill>
-                <a:latin typeface="Calibri"/>
-                <a:ea typeface="DejaVu Sans"/>
-              </a:rPr>
-              <a:t>A</a:t>
-            </a:r>
-            <a:r>
-              <a:rPr b="0" lang="en-US" sz="1300" spc="-1" strike="noStrike">
-                <a:solidFill>
-                  <a:srgbClr val="000000"/>
-                </a:solidFill>
-                <a:latin typeface="Calibri"/>
-                <a:ea typeface="DejaVu Sans"/>
-              </a:rPr>
-              <a:t>d</a:t>
-            </a:r>
-            <a:r>
-              <a:rPr b="0" lang="en-US" sz="1300" spc="-1" strike="noStrike">
-                <a:solidFill>
-                  <a:srgbClr val="000000"/>
-                </a:solidFill>
-                <a:latin typeface="Calibri"/>
-                <a:ea typeface="DejaVu Sans"/>
-              </a:rPr>
-              <a:t>v</a:t>
-            </a:r>
-            <a:r>
-              <a:rPr b="0" lang="en-US" sz="1300" spc="-1" strike="noStrike">
-                <a:solidFill>
-                  <a:srgbClr val="000000"/>
-                </a:solidFill>
-                <a:latin typeface="Calibri"/>
-                <a:ea typeface="DejaVu Sans"/>
-              </a:rPr>
-              <a:t>a</a:t>
-            </a:r>
-            <a:r>
-              <a:rPr b="0" lang="en-US" sz="1300" spc="-1" strike="noStrike">
-                <a:solidFill>
-                  <a:srgbClr val="000000"/>
-                </a:solidFill>
-                <a:latin typeface="Calibri"/>
-                <a:ea typeface="DejaVu Sans"/>
-              </a:rPr>
-              <a:t>n</a:t>
-            </a:r>
-            <a:r>
-              <a:rPr b="0" lang="en-US" sz="1300" spc="-1" strike="noStrike">
-                <a:solidFill>
-                  <a:srgbClr val="000000"/>
-                </a:solidFill>
-                <a:latin typeface="Calibri"/>
-                <a:ea typeface="DejaVu Sans"/>
-              </a:rPr>
-              <a:t>c</a:t>
-            </a:r>
-            <a:r>
-              <a:rPr b="0" lang="en-US" sz="1300" spc="-1" strike="noStrike">
-                <a:solidFill>
-                  <a:srgbClr val="000000"/>
-                </a:solidFill>
-                <a:latin typeface="Calibri"/>
-                <a:ea typeface="DejaVu Sans"/>
-              </a:rPr>
-              <a:t>e</a:t>
-            </a:r>
-            <a:r>
-              <a:rPr b="0" lang="en-US" sz="1300" spc="-1" strike="noStrike">
-                <a:solidFill>
-                  <a:srgbClr val="000000"/>
-                </a:solidFill>
-                <a:latin typeface="Calibri"/>
-                <a:ea typeface="DejaVu Sans"/>
-              </a:rPr>
-              <a:t>m</a:t>
-            </a:r>
-            <a:r>
-              <a:rPr b="0" lang="en-US" sz="1300" spc="-1" strike="noStrike">
-                <a:solidFill>
-                  <a:srgbClr val="000000"/>
-                </a:solidFill>
-                <a:latin typeface="Calibri"/>
-                <a:ea typeface="DejaVu Sans"/>
-              </a:rPr>
-              <a:t>e</a:t>
-            </a:r>
-            <a:r>
-              <a:rPr b="0" lang="en-US" sz="1300" spc="-1" strike="noStrike">
-                <a:solidFill>
-                  <a:srgbClr val="000000"/>
-                </a:solidFill>
-                <a:latin typeface="Calibri"/>
-                <a:ea typeface="DejaVu Sans"/>
-              </a:rPr>
-              <a:t>n</a:t>
-            </a:r>
-            <a:r>
-              <a:rPr b="0" lang="en-US" sz="1300" spc="-1" strike="noStrike">
-                <a:solidFill>
-                  <a:srgbClr val="000000"/>
-                </a:solidFill>
-                <a:latin typeface="Calibri"/>
-                <a:ea typeface="DejaVu Sans"/>
-              </a:rPr>
-              <a:t>t</a:t>
-            </a:r>
-            <a:r>
-              <a:rPr b="0" lang="en-US" sz="1300" spc="-1" strike="noStrike">
-                <a:solidFill>
-                  <a:srgbClr val="000000"/>
-                </a:solidFill>
-                <a:latin typeface="Calibri"/>
-                <a:ea typeface="DejaVu Sans"/>
-              </a:rPr>
-              <a:t>:</a:t>
-            </a:r>
-            <a:r>
-              <a:rPr b="0" lang="en-US" sz="1300" spc="-1" strike="noStrike">
-                <a:solidFill>
-                  <a:srgbClr val="000000"/>
-                </a:solidFill>
-                <a:latin typeface="Calibri"/>
-                <a:ea typeface="DejaVu Sans"/>
-              </a:rPr>
-              <a:t> </a:t>
+              <a:t>2. Hardware Advancement: </a:t>
             </a:r>
             <a:endParaRPr b="0" lang="en-US" sz="1300" spc="-1" strike="noStrike">
               <a:latin typeface="Arial"/>
@@ -7406,1167 +6686,7 @@
                 <a:latin typeface="Calibri"/>
                 <a:ea typeface="DejaVu Sans"/>
               </a:rPr>
-              <a:t>2</a:t>
-            </a:r>
-            <a:r>
-              <a:rPr b="0" lang="en-US" sz="1300" spc="-1" strike="noStrike">
-                <a:solidFill>
-                  <a:srgbClr val="000000"/>
-                </a:solidFill>
-                <a:latin typeface="Calibri"/>
-                <a:ea typeface="DejaVu Sans"/>
-              </a:rPr>
-              <a:t>.</a:t>
-            </a:r>
-            <a:r>
-              <a:rPr b="0" lang="en-US" sz="1300" spc="-1" strike="noStrike">
-                <a:solidFill>
-                  <a:srgbClr val="000000"/>
-                </a:solidFill>
-                <a:latin typeface="Calibri"/>
-                <a:ea typeface="DejaVu Sans"/>
-              </a:rPr>
-              <a:t>1</a:t>
-            </a:r>
-            <a:r>
-              <a:rPr b="0" lang="en-US" sz="1300" spc="-1" strike="noStrike">
-                <a:solidFill>
-                  <a:srgbClr val="000000"/>
-                </a:solidFill>
-                <a:latin typeface="Calibri"/>
-                <a:ea typeface="DejaVu Sans"/>
-              </a:rPr>
-              <a:t> </a:t>
-            </a:r>
-            <a:r>
-              <a:rPr b="0" lang="en-US" sz="1300" spc="-1" strike="noStrike">
-                <a:solidFill>
-                  <a:srgbClr val="000000"/>
-                </a:solidFill>
-                <a:latin typeface="Calibri"/>
-                <a:ea typeface="DejaVu Sans"/>
-              </a:rPr>
-              <a:t>T</a:t>
-            </a:r>
-            <a:r>
-              <a:rPr b="0" lang="en-US" sz="1300" spc="-1" strike="noStrike">
-                <a:solidFill>
-                  <a:srgbClr val="000000"/>
-                </a:solidFill>
-                <a:latin typeface="Calibri"/>
-                <a:ea typeface="DejaVu Sans"/>
-              </a:rPr>
-              <a:t>h</a:t>
-            </a:r>
-            <a:r>
-              <a:rPr b="0" lang="en-US" sz="1300" spc="-1" strike="noStrike">
-                <a:solidFill>
-                  <a:srgbClr val="000000"/>
-                </a:solidFill>
-                <a:latin typeface="Calibri"/>
-                <a:ea typeface="DejaVu Sans"/>
-              </a:rPr>
-              <a:t>e</a:t>
-            </a:r>
-            <a:r>
-              <a:rPr b="0" lang="en-US" sz="1300" spc="-1" strike="noStrike">
-                <a:solidFill>
-                  <a:srgbClr val="000000"/>
-                </a:solidFill>
-                <a:latin typeface="Calibri"/>
-                <a:ea typeface="DejaVu Sans"/>
-              </a:rPr>
-              <a:t> </a:t>
-            </a:r>
-            <a:r>
-              <a:rPr b="0" lang="en-US" sz="1300" spc="-1" strike="noStrike">
-                <a:solidFill>
-                  <a:srgbClr val="000000"/>
-                </a:solidFill>
-                <a:latin typeface="Calibri"/>
-                <a:ea typeface="DejaVu Sans"/>
-              </a:rPr>
-              <a:t>c</a:t>
-            </a:r>
-            <a:r>
-              <a:rPr b="0" lang="en-US" sz="1300" spc="-1" strike="noStrike">
-                <a:solidFill>
-                  <a:srgbClr val="000000"/>
-                </a:solidFill>
-                <a:latin typeface="Calibri"/>
-                <a:ea typeface="DejaVu Sans"/>
-              </a:rPr>
-              <a:t>o</a:t>
-            </a:r>
-            <a:r>
-              <a:rPr b="0" lang="en-US" sz="1300" spc="-1" strike="noStrike">
-                <a:solidFill>
-                  <a:srgbClr val="000000"/>
-                </a:solidFill>
-                <a:latin typeface="Calibri"/>
-                <a:ea typeface="DejaVu Sans"/>
-              </a:rPr>
-              <a:t>m</a:t>
-            </a:r>
-            <a:r>
-              <a:rPr b="0" lang="en-US" sz="1300" spc="-1" strike="noStrike">
-                <a:solidFill>
-                  <a:srgbClr val="000000"/>
-                </a:solidFill>
-                <a:latin typeface="Calibri"/>
-                <a:ea typeface="DejaVu Sans"/>
-              </a:rPr>
-              <a:t>p</a:t>
-            </a:r>
-            <a:r>
-              <a:rPr b="0" lang="en-US" sz="1300" spc="-1" strike="noStrike">
-                <a:solidFill>
-                  <a:srgbClr val="000000"/>
-                </a:solidFill>
-                <a:latin typeface="Calibri"/>
-                <a:ea typeface="DejaVu Sans"/>
-              </a:rPr>
-              <a:t>u</a:t>
-            </a:r>
-            <a:r>
-              <a:rPr b="0" lang="en-US" sz="1300" spc="-1" strike="noStrike">
-                <a:solidFill>
-                  <a:srgbClr val="000000"/>
-                </a:solidFill>
-                <a:latin typeface="Calibri"/>
-                <a:ea typeface="DejaVu Sans"/>
-              </a:rPr>
-              <a:t>t</a:t>
-            </a:r>
-            <a:r>
-              <a:rPr b="0" lang="en-US" sz="1300" spc="-1" strike="noStrike">
-                <a:solidFill>
-                  <a:srgbClr val="000000"/>
-                </a:solidFill>
-                <a:latin typeface="Calibri"/>
-                <a:ea typeface="DejaVu Sans"/>
-              </a:rPr>
-              <a:t>e</a:t>
-            </a:r>
-            <a:r>
-              <a:rPr b="0" lang="en-US" sz="1300" spc="-1" strike="noStrike">
-                <a:solidFill>
-                  <a:srgbClr val="000000"/>
-                </a:solidFill>
-                <a:latin typeface="Calibri"/>
-                <a:ea typeface="DejaVu Sans"/>
-              </a:rPr>
-              <a:t>r</a:t>
-            </a:r>
-            <a:r>
-              <a:rPr b="0" lang="en-US" sz="1300" spc="-1" strike="noStrike">
-                <a:solidFill>
-                  <a:srgbClr val="000000"/>
-                </a:solidFill>
-                <a:latin typeface="Calibri"/>
-                <a:ea typeface="DejaVu Sans"/>
-              </a:rPr>
-              <a:t> </a:t>
-            </a:r>
-            <a:r>
-              <a:rPr b="0" lang="en-US" sz="1300" spc="-1" strike="noStrike">
-                <a:solidFill>
-                  <a:srgbClr val="000000"/>
-                </a:solidFill>
-                <a:latin typeface="Calibri"/>
-                <a:ea typeface="DejaVu Sans"/>
-              </a:rPr>
-              <a:t>(</a:t>
-            </a:r>
-            <a:r>
-              <a:rPr b="0" lang="en-US" sz="1300" spc="-1" strike="noStrike">
-                <a:solidFill>
-                  <a:srgbClr val="000000"/>
-                </a:solidFill>
-                <a:latin typeface="Calibri"/>
-                <a:ea typeface="DejaVu Sans"/>
-              </a:rPr>
-              <a:t>N</a:t>
-            </a:r>
-            <a:r>
-              <a:rPr b="0" lang="en-US" sz="1300" spc="-1" strike="noStrike">
-                <a:solidFill>
-                  <a:srgbClr val="000000"/>
-                </a:solidFill>
-                <a:latin typeface="Calibri"/>
-                <a:ea typeface="DejaVu Sans"/>
-              </a:rPr>
-              <a:t>o</a:t>
-            </a:r>
-            <a:r>
-              <a:rPr b="0" lang="en-US" sz="1300" spc="-1" strike="noStrike">
-                <a:solidFill>
-                  <a:srgbClr val="000000"/>
-                </a:solidFill>
-                <a:latin typeface="Calibri"/>
-                <a:ea typeface="DejaVu Sans"/>
-              </a:rPr>
-              <a:t>r</a:t>
-            </a:r>
-            <a:r>
-              <a:rPr b="0" lang="en-US" sz="1300" spc="-1" strike="noStrike">
-                <a:solidFill>
-                  <a:srgbClr val="000000"/>
-                </a:solidFill>
-                <a:latin typeface="Calibri"/>
-                <a:ea typeface="DejaVu Sans"/>
-              </a:rPr>
-              <a:t>t</a:t>
-            </a:r>
-            <a:r>
-              <a:rPr b="0" lang="en-US" sz="1300" spc="-1" strike="noStrike">
-                <a:solidFill>
-                  <a:srgbClr val="000000"/>
-                </a:solidFill>
-                <a:latin typeface="Calibri"/>
-                <a:ea typeface="DejaVu Sans"/>
-              </a:rPr>
-              <a:t>h</a:t>
-            </a:r>
-            <a:r>
-              <a:rPr b="0" lang="en-US" sz="1300" spc="-1" strike="noStrike">
-                <a:solidFill>
-                  <a:srgbClr val="000000"/>
-                </a:solidFill>
-                <a:latin typeface="Calibri"/>
-                <a:ea typeface="DejaVu Sans"/>
-              </a:rPr>
-              <a:t> </a:t>
-            </a:r>
-            <a:r>
-              <a:rPr b="0" lang="en-US" sz="1300" spc="-1" strike="noStrike">
-                <a:solidFill>
-                  <a:srgbClr val="000000"/>
-                </a:solidFill>
-                <a:latin typeface="Calibri"/>
-                <a:ea typeface="DejaVu Sans"/>
-              </a:rPr>
-              <a:t>B</a:t>
-            </a:r>
-            <a:r>
-              <a:rPr b="0" lang="en-US" sz="1300" spc="-1" strike="noStrike">
-                <a:solidFill>
-                  <a:srgbClr val="000000"/>
-                </a:solidFill>
-                <a:latin typeface="Calibri"/>
-                <a:ea typeface="DejaVu Sans"/>
-              </a:rPr>
-              <a:t>r</a:t>
-            </a:r>
-            <a:r>
-              <a:rPr b="0" lang="en-US" sz="1300" spc="-1" strike="noStrike">
-                <a:solidFill>
-                  <a:srgbClr val="000000"/>
-                </a:solidFill>
-                <a:latin typeface="Calibri"/>
-                <a:ea typeface="DejaVu Sans"/>
-              </a:rPr>
-              <a:t>i</a:t>
-            </a:r>
-            <a:r>
-              <a:rPr b="0" lang="en-US" sz="1300" spc="-1" strike="noStrike">
-                <a:solidFill>
-                  <a:srgbClr val="000000"/>
-                </a:solidFill>
-                <a:latin typeface="Calibri"/>
-                <a:ea typeface="DejaVu Sans"/>
-              </a:rPr>
-              <a:t>d</a:t>
-            </a:r>
-            <a:r>
-              <a:rPr b="0" lang="en-US" sz="1300" spc="-1" strike="noStrike">
-                <a:solidFill>
-                  <a:srgbClr val="000000"/>
-                </a:solidFill>
-                <a:latin typeface="Calibri"/>
-                <a:ea typeface="DejaVu Sans"/>
-              </a:rPr>
-              <a:t>g</a:t>
-            </a:r>
-            <a:r>
-              <a:rPr b="0" lang="en-US" sz="1300" spc="-1" strike="noStrike">
-                <a:solidFill>
-                  <a:srgbClr val="000000"/>
-                </a:solidFill>
-                <a:latin typeface="Calibri"/>
-                <a:ea typeface="DejaVu Sans"/>
-              </a:rPr>
-              <a:t>e</a:t>
-            </a:r>
-            <a:r>
-              <a:rPr b="0" lang="en-US" sz="1300" spc="-1" strike="noStrike">
-                <a:solidFill>
-                  <a:srgbClr val="000000"/>
-                </a:solidFill>
-                <a:latin typeface="Calibri"/>
-                <a:ea typeface="DejaVu Sans"/>
-              </a:rPr>
-              <a:t> </a:t>
-            </a:r>
-            <a:r>
-              <a:rPr b="0" lang="en-US" sz="1300" spc="-1" strike="noStrike">
-                <a:solidFill>
-                  <a:srgbClr val="000000"/>
-                </a:solidFill>
-                <a:latin typeface="Calibri"/>
-                <a:ea typeface="DejaVu Sans"/>
-              </a:rPr>
-              <a:t>s</a:t>
-            </a:r>
-            <a:r>
-              <a:rPr b="0" lang="en-US" sz="1300" spc="-1" strike="noStrike">
-                <a:solidFill>
-                  <a:srgbClr val="000000"/>
-                </a:solidFill>
-                <a:latin typeface="Calibri"/>
-                <a:ea typeface="DejaVu Sans"/>
-              </a:rPr>
-              <a:t>y</a:t>
-            </a:r>
-            <a:r>
-              <a:rPr b="0" lang="en-US" sz="1300" spc="-1" strike="noStrike">
-                <a:solidFill>
-                  <a:srgbClr val="000000"/>
-                </a:solidFill>
-                <a:latin typeface="Calibri"/>
-                <a:ea typeface="DejaVu Sans"/>
-              </a:rPr>
-              <a:t>s</a:t>
-            </a:r>
-            <a:r>
-              <a:rPr b="0" lang="en-US" sz="1300" spc="-1" strike="noStrike">
-                <a:solidFill>
-                  <a:srgbClr val="000000"/>
-                </a:solidFill>
-                <a:latin typeface="Calibri"/>
-                <a:ea typeface="DejaVu Sans"/>
-              </a:rPr>
-              <a:t>t</a:t>
-            </a:r>
-            <a:r>
-              <a:rPr b="0" lang="en-US" sz="1300" spc="-1" strike="noStrike">
-                <a:solidFill>
-                  <a:srgbClr val="000000"/>
-                </a:solidFill>
-                <a:latin typeface="Calibri"/>
-                <a:ea typeface="DejaVu Sans"/>
-              </a:rPr>
-              <a:t>e</a:t>
-            </a:r>
-            <a:r>
-              <a:rPr b="0" lang="en-US" sz="1300" spc="-1" strike="noStrike">
-                <a:solidFill>
-                  <a:srgbClr val="000000"/>
-                </a:solidFill>
-                <a:latin typeface="Calibri"/>
-                <a:ea typeface="DejaVu Sans"/>
-              </a:rPr>
-              <a:t>m</a:t>
-            </a:r>
-            <a:r>
-              <a:rPr b="0" lang="en-US" sz="1300" spc="-1" strike="noStrike">
-                <a:solidFill>
-                  <a:srgbClr val="000000"/>
-                </a:solidFill>
-                <a:latin typeface="Calibri"/>
-                <a:ea typeface="DejaVu Sans"/>
-              </a:rPr>
-              <a:t>)</a:t>
-            </a:r>
-            <a:r>
-              <a:rPr b="0" lang="en-US" sz="1300" spc="-1" strike="noStrike">
-                <a:solidFill>
-                  <a:srgbClr val="000000"/>
-                </a:solidFill>
-                <a:latin typeface="Calibri"/>
-                <a:ea typeface="DejaVu Sans"/>
-              </a:rPr>
-              <a:t> </a:t>
-            </a:r>
-            <a:r>
-              <a:rPr b="0" lang="en-US" sz="1300" spc="-1" strike="noStrike">
-                <a:solidFill>
-                  <a:srgbClr val="000000"/>
-                </a:solidFill>
-                <a:latin typeface="Calibri"/>
-                <a:ea typeface="DejaVu Sans"/>
-              </a:rPr>
-              <a:t>w</a:t>
-            </a:r>
-            <a:r>
-              <a:rPr b="0" lang="en-US" sz="1300" spc="-1" strike="noStrike">
-                <a:solidFill>
-                  <a:srgbClr val="000000"/>
-                </a:solidFill>
-                <a:latin typeface="Calibri"/>
-                <a:ea typeface="DejaVu Sans"/>
-              </a:rPr>
-              <a:t>i</a:t>
-            </a:r>
-            <a:r>
-              <a:rPr b="0" lang="en-US" sz="1300" spc="-1" strike="noStrike">
-                <a:solidFill>
-                  <a:srgbClr val="000000"/>
-                </a:solidFill>
-                <a:latin typeface="Calibri"/>
-                <a:ea typeface="DejaVu Sans"/>
-              </a:rPr>
-              <a:t>t</a:t>
-            </a:r>
-            <a:r>
-              <a:rPr b="0" lang="en-US" sz="1300" spc="-1" strike="noStrike">
-                <a:solidFill>
-                  <a:srgbClr val="000000"/>
-                </a:solidFill>
-                <a:latin typeface="Calibri"/>
-                <a:ea typeface="DejaVu Sans"/>
-              </a:rPr>
-              <a:t>h</a:t>
-            </a:r>
-            <a:r>
-              <a:rPr b="0" lang="en-US" sz="1300" spc="-1" strike="noStrike">
-                <a:solidFill>
-                  <a:srgbClr val="000000"/>
-                </a:solidFill>
-                <a:latin typeface="Calibri"/>
-                <a:ea typeface="DejaVu Sans"/>
-              </a:rPr>
-              <a:t> </a:t>
-            </a:r>
-            <a:r>
-              <a:rPr b="0" lang="en-US" sz="1300" spc="-1" strike="noStrike">
-                <a:solidFill>
-                  <a:srgbClr val="000000"/>
-                </a:solidFill>
-                <a:latin typeface="Calibri"/>
-                <a:ea typeface="DejaVu Sans"/>
-              </a:rPr>
-              <a:t>s</a:t>
-            </a:r>
-            <a:r>
-              <a:rPr b="0" lang="en-US" sz="1300" spc="-1" strike="noStrike">
-                <a:solidFill>
-                  <a:srgbClr val="000000"/>
-                </a:solidFill>
-                <a:latin typeface="Calibri"/>
-                <a:ea typeface="DejaVu Sans"/>
-              </a:rPr>
-              <a:t>y</a:t>
-            </a:r>
-            <a:r>
-              <a:rPr b="0" lang="en-US" sz="1300" spc="-1" strike="noStrike">
-                <a:solidFill>
-                  <a:srgbClr val="000000"/>
-                </a:solidFill>
-                <a:latin typeface="Calibri"/>
-                <a:ea typeface="DejaVu Sans"/>
-              </a:rPr>
-              <a:t>s</a:t>
-            </a:r>
-            <a:r>
-              <a:rPr b="0" lang="en-US" sz="1300" spc="-1" strike="noStrike">
-                <a:solidFill>
-                  <a:srgbClr val="000000"/>
-                </a:solidFill>
-                <a:latin typeface="Calibri"/>
-                <a:ea typeface="DejaVu Sans"/>
-              </a:rPr>
-              <a:t>t</a:t>
-            </a:r>
-            <a:r>
-              <a:rPr b="0" lang="en-US" sz="1300" spc="-1" strike="noStrike">
-                <a:solidFill>
-                  <a:srgbClr val="000000"/>
-                </a:solidFill>
-                <a:latin typeface="Calibri"/>
-                <a:ea typeface="DejaVu Sans"/>
-              </a:rPr>
-              <a:t>e</a:t>
-            </a:r>
-            <a:r>
-              <a:rPr b="0" lang="en-US" sz="1300" spc="-1" strike="noStrike">
-                <a:solidFill>
-                  <a:srgbClr val="000000"/>
-                </a:solidFill>
-                <a:latin typeface="Calibri"/>
-                <a:ea typeface="DejaVu Sans"/>
-              </a:rPr>
-              <a:t>m</a:t>
-            </a:r>
-            <a:r>
-              <a:rPr b="0" lang="en-US" sz="1300" spc="-1" strike="noStrike">
-                <a:solidFill>
-                  <a:srgbClr val="000000"/>
-                </a:solidFill>
-                <a:latin typeface="Calibri"/>
-                <a:ea typeface="DejaVu Sans"/>
-              </a:rPr>
-              <a:t> </a:t>
-            </a:r>
-            <a:r>
-              <a:rPr b="0" lang="en-US" sz="1300" spc="-1" strike="noStrike">
-                <a:solidFill>
-                  <a:srgbClr val="000000"/>
-                </a:solidFill>
-                <a:latin typeface="Calibri"/>
-                <a:ea typeface="DejaVu Sans"/>
-              </a:rPr>
-              <a:t>s</a:t>
-            </a:r>
-            <a:r>
-              <a:rPr b="0" lang="en-US" sz="1300" spc="-1" strike="noStrike">
-                <a:solidFill>
-                  <a:srgbClr val="000000"/>
-                </a:solidFill>
-                <a:latin typeface="Calibri"/>
-                <a:ea typeface="DejaVu Sans"/>
-              </a:rPr>
-              <a:t>p</a:t>
-            </a:r>
-            <a:r>
-              <a:rPr b="0" lang="en-US" sz="1300" spc="-1" strike="noStrike">
-                <a:solidFill>
-                  <a:srgbClr val="000000"/>
-                </a:solidFill>
-                <a:latin typeface="Calibri"/>
-                <a:ea typeface="DejaVu Sans"/>
-              </a:rPr>
-              <a:t>e</a:t>
-            </a:r>
-            <a:r>
-              <a:rPr b="0" lang="en-US" sz="1300" spc="-1" strike="noStrike">
-                <a:solidFill>
-                  <a:srgbClr val="000000"/>
-                </a:solidFill>
-                <a:latin typeface="Calibri"/>
-                <a:ea typeface="DejaVu Sans"/>
-              </a:rPr>
-              <a:t>e</a:t>
-            </a:r>
-            <a:r>
-              <a:rPr b="0" lang="en-US" sz="1300" spc="-1" strike="noStrike">
-                <a:solidFill>
-                  <a:srgbClr val="000000"/>
-                </a:solidFill>
-                <a:latin typeface="Calibri"/>
-                <a:ea typeface="DejaVu Sans"/>
-              </a:rPr>
-              <a:t>d</a:t>
-            </a:r>
-            <a:r>
-              <a:rPr b="0" lang="en-US" sz="1300" spc="-1" strike="noStrike">
-                <a:solidFill>
-                  <a:srgbClr val="000000"/>
-                </a:solidFill>
-                <a:latin typeface="Calibri"/>
-                <a:ea typeface="DejaVu Sans"/>
-              </a:rPr>
-              <a:t> </a:t>
-            </a:r>
-            <a:r>
-              <a:rPr b="0" lang="en-US" sz="1300" spc="-1" strike="noStrike">
-                <a:solidFill>
-                  <a:srgbClr val="000000"/>
-                </a:solidFill>
-                <a:latin typeface="Calibri"/>
-                <a:ea typeface="DejaVu Sans"/>
-              </a:rPr>
-              <a:t>a</a:t>
-            </a:r>
-            <a:r>
-              <a:rPr b="0" lang="en-US" sz="1300" spc="-1" strike="noStrike">
-                <a:solidFill>
-                  <a:srgbClr val="000000"/>
-                </a:solidFill>
-                <a:latin typeface="Calibri"/>
-                <a:ea typeface="DejaVu Sans"/>
-              </a:rPr>
-              <a:t>n</a:t>
-            </a:r>
-            <a:r>
-              <a:rPr b="0" lang="en-US" sz="1300" spc="-1" strike="noStrike">
-                <a:solidFill>
-                  <a:srgbClr val="000000"/>
-                </a:solidFill>
-                <a:latin typeface="Calibri"/>
-                <a:ea typeface="DejaVu Sans"/>
-              </a:rPr>
-              <a:t>d</a:t>
-            </a:r>
-            <a:r>
-              <a:rPr b="0" lang="en-US" sz="1300" spc="-1" strike="noStrike">
-                <a:solidFill>
-                  <a:srgbClr val="000000"/>
-                </a:solidFill>
-                <a:latin typeface="Calibri"/>
-                <a:ea typeface="DejaVu Sans"/>
-              </a:rPr>
-              <a:t> </a:t>
-            </a:r>
-            <a:r>
-              <a:rPr b="0" lang="en-US" sz="1300" spc="-1" strike="noStrike">
-                <a:solidFill>
-                  <a:srgbClr val="000000"/>
-                </a:solidFill>
-                <a:latin typeface="Calibri"/>
-                <a:ea typeface="DejaVu Sans"/>
-              </a:rPr>
-              <a:t>m</a:t>
-            </a:r>
-            <a:r>
-              <a:rPr b="0" lang="en-US" sz="1300" spc="-1" strike="noStrike">
-                <a:solidFill>
-                  <a:srgbClr val="000000"/>
-                </a:solidFill>
-                <a:latin typeface="Calibri"/>
-                <a:ea typeface="DejaVu Sans"/>
-              </a:rPr>
-              <a:t>e</a:t>
-            </a:r>
-            <a:r>
-              <a:rPr b="0" lang="en-US" sz="1300" spc="-1" strike="noStrike">
-                <a:solidFill>
-                  <a:srgbClr val="000000"/>
-                </a:solidFill>
-                <a:latin typeface="Calibri"/>
-                <a:ea typeface="DejaVu Sans"/>
-              </a:rPr>
-              <a:t>m</a:t>
-            </a:r>
-            <a:r>
-              <a:rPr b="0" lang="en-US" sz="1300" spc="-1" strike="noStrike">
-                <a:solidFill>
-                  <a:srgbClr val="000000"/>
-                </a:solidFill>
-                <a:latin typeface="Calibri"/>
-                <a:ea typeface="DejaVu Sans"/>
-              </a:rPr>
-              <a:t>o</a:t>
-            </a:r>
-            <a:r>
-              <a:rPr b="0" lang="en-US" sz="1300" spc="-1" strike="noStrike">
-                <a:solidFill>
-                  <a:srgbClr val="000000"/>
-                </a:solidFill>
-                <a:latin typeface="Calibri"/>
-                <a:ea typeface="DejaVu Sans"/>
-              </a:rPr>
-              <a:t>r</a:t>
-            </a:r>
-            <a:r>
-              <a:rPr b="0" lang="en-US" sz="1300" spc="-1" strike="noStrike">
-                <a:solidFill>
-                  <a:srgbClr val="000000"/>
-                </a:solidFill>
-                <a:latin typeface="Calibri"/>
-                <a:ea typeface="DejaVu Sans"/>
-              </a:rPr>
-              <a:t>y</a:t>
-            </a:r>
-            <a:r>
-              <a:rPr b="0" lang="en-US" sz="1300" spc="-1" strike="noStrike">
-                <a:solidFill>
-                  <a:srgbClr val="000000"/>
-                </a:solidFill>
-                <a:latin typeface="Calibri"/>
-                <a:ea typeface="DejaVu Sans"/>
-              </a:rPr>
-              <a:t> </a:t>
-            </a:r>
-            <a:r>
-              <a:rPr b="0" lang="en-US" sz="1300" spc="-1" strike="noStrike">
-                <a:solidFill>
-                  <a:srgbClr val="000000"/>
-                </a:solidFill>
-                <a:latin typeface="Calibri"/>
-                <a:ea typeface="DejaVu Sans"/>
-              </a:rPr>
-              <a:t>c</a:t>
-            </a:r>
-            <a:r>
-              <a:rPr b="0" lang="en-US" sz="1300" spc="-1" strike="noStrike">
-                <a:solidFill>
-                  <a:srgbClr val="000000"/>
-                </a:solidFill>
-                <a:latin typeface="Calibri"/>
-                <a:ea typeface="DejaVu Sans"/>
-              </a:rPr>
-              <a:t>a</a:t>
-            </a:r>
-            <a:r>
-              <a:rPr b="0" lang="en-US" sz="1300" spc="-1" strike="noStrike">
-                <a:solidFill>
-                  <a:srgbClr val="000000"/>
-                </a:solidFill>
-                <a:latin typeface="Calibri"/>
-                <a:ea typeface="DejaVu Sans"/>
-              </a:rPr>
-              <a:t>p</a:t>
-            </a:r>
-            <a:r>
-              <a:rPr b="0" lang="en-US" sz="1300" spc="-1" strike="noStrike">
-                <a:solidFill>
-                  <a:srgbClr val="000000"/>
-                </a:solidFill>
-                <a:latin typeface="Calibri"/>
-                <a:ea typeface="DejaVu Sans"/>
-              </a:rPr>
-              <a:t>a</a:t>
-            </a:r>
-            <a:r>
-              <a:rPr b="0" lang="en-US" sz="1300" spc="-1" strike="noStrike">
-                <a:solidFill>
-                  <a:srgbClr val="000000"/>
-                </a:solidFill>
-                <a:latin typeface="Calibri"/>
-                <a:ea typeface="DejaVu Sans"/>
-              </a:rPr>
-              <a:t>c</a:t>
-            </a:r>
-            <a:r>
-              <a:rPr b="0" lang="en-US" sz="1300" spc="-1" strike="noStrike">
-                <a:solidFill>
-                  <a:srgbClr val="000000"/>
-                </a:solidFill>
-                <a:latin typeface="Calibri"/>
-                <a:ea typeface="DejaVu Sans"/>
-              </a:rPr>
-              <a:t>i</a:t>
-            </a:r>
-            <a:r>
-              <a:rPr b="0" lang="en-US" sz="1300" spc="-1" strike="noStrike">
-                <a:solidFill>
-                  <a:srgbClr val="000000"/>
-                </a:solidFill>
-                <a:latin typeface="Calibri"/>
-                <a:ea typeface="DejaVu Sans"/>
-              </a:rPr>
-              <a:t>t</a:t>
-            </a:r>
-            <a:r>
-              <a:rPr b="0" lang="en-US" sz="1300" spc="-1" strike="noStrike">
-                <a:solidFill>
-                  <a:srgbClr val="000000"/>
-                </a:solidFill>
-                <a:latin typeface="Calibri"/>
-                <a:ea typeface="DejaVu Sans"/>
-              </a:rPr>
-              <a:t>y</a:t>
-            </a:r>
-            <a:r>
-              <a:rPr b="0" lang="en-US" sz="1300" spc="-1" strike="noStrike">
-                <a:solidFill>
-                  <a:srgbClr val="000000"/>
-                </a:solidFill>
-                <a:latin typeface="Calibri"/>
-                <a:ea typeface="DejaVu Sans"/>
-              </a:rPr>
-              <a:t> </a:t>
-            </a:r>
-            <a:r>
-              <a:rPr b="0" lang="en-US" sz="1300" spc="-1" strike="noStrike">
-                <a:solidFill>
-                  <a:srgbClr val="000000"/>
-                </a:solidFill>
-                <a:latin typeface="Calibri"/>
-                <a:ea typeface="DejaVu Sans"/>
-              </a:rPr>
-              <a:t>i</a:t>
-            </a:r>
-            <a:r>
-              <a:rPr b="0" lang="en-US" sz="1300" spc="-1" strike="noStrike">
-                <a:solidFill>
-                  <a:srgbClr val="000000"/>
-                </a:solidFill>
-                <a:latin typeface="Calibri"/>
-                <a:ea typeface="DejaVu Sans"/>
-              </a:rPr>
-              <a:t>m</a:t>
-            </a:r>
-            <a:r>
-              <a:rPr b="0" lang="en-US" sz="1300" spc="-1" strike="noStrike">
-                <a:solidFill>
-                  <a:srgbClr val="000000"/>
-                </a:solidFill>
-                <a:latin typeface="Calibri"/>
-                <a:ea typeface="DejaVu Sans"/>
-              </a:rPr>
-              <a:t>p</a:t>
-            </a:r>
-            <a:r>
-              <a:rPr b="0" lang="en-US" sz="1300" spc="-1" strike="noStrike">
-                <a:solidFill>
-                  <a:srgbClr val="000000"/>
-                </a:solidFill>
-                <a:latin typeface="Calibri"/>
-                <a:ea typeface="DejaVu Sans"/>
-              </a:rPr>
-              <a:t>r</a:t>
-            </a:r>
-            <a:r>
-              <a:rPr b="0" lang="en-US" sz="1300" spc="-1" strike="noStrike">
-                <a:solidFill>
-                  <a:srgbClr val="000000"/>
-                </a:solidFill>
-                <a:latin typeface="Calibri"/>
-                <a:ea typeface="DejaVu Sans"/>
-              </a:rPr>
-              <a:t>o</a:t>
-            </a:r>
-            <a:r>
-              <a:rPr b="0" lang="en-US" sz="1300" spc="-1" strike="noStrike">
-                <a:solidFill>
-                  <a:srgbClr val="000000"/>
-                </a:solidFill>
-                <a:latin typeface="Calibri"/>
-                <a:ea typeface="DejaVu Sans"/>
-              </a:rPr>
-              <a:t>v</a:t>
-            </a:r>
-            <a:r>
-              <a:rPr b="0" lang="en-US" sz="1300" spc="-1" strike="noStrike">
-                <a:solidFill>
-                  <a:srgbClr val="000000"/>
-                </a:solidFill>
-                <a:latin typeface="Calibri"/>
-                <a:ea typeface="DejaVu Sans"/>
-              </a:rPr>
-              <a:t>e</a:t>
-            </a:r>
-            <a:r>
-              <a:rPr b="0" lang="en-US" sz="1300" spc="-1" strike="noStrike">
-                <a:solidFill>
-                  <a:srgbClr val="000000"/>
-                </a:solidFill>
-                <a:latin typeface="Calibri"/>
-                <a:ea typeface="DejaVu Sans"/>
-              </a:rPr>
-              <a:t>m</a:t>
-            </a:r>
-            <a:r>
-              <a:rPr b="0" lang="en-US" sz="1300" spc="-1" strike="noStrike">
-                <a:solidFill>
-                  <a:srgbClr val="000000"/>
-                </a:solidFill>
-                <a:latin typeface="Calibri"/>
-                <a:ea typeface="DejaVu Sans"/>
-              </a:rPr>
-              <a:t>e</a:t>
-            </a:r>
-            <a:r>
-              <a:rPr b="0" lang="en-US" sz="1300" spc="-1" strike="noStrike">
-                <a:solidFill>
-                  <a:srgbClr val="000000"/>
-                </a:solidFill>
-                <a:latin typeface="Calibri"/>
-                <a:ea typeface="DejaVu Sans"/>
-              </a:rPr>
-              <a:t>n</a:t>
-            </a:r>
-            <a:r>
-              <a:rPr b="0" lang="en-US" sz="1300" spc="-1" strike="noStrike">
-                <a:solidFill>
-                  <a:srgbClr val="000000"/>
-                </a:solidFill>
-                <a:latin typeface="Calibri"/>
-                <a:ea typeface="DejaVu Sans"/>
-              </a:rPr>
-              <a:t>t</a:t>
-            </a:r>
-            <a:r>
-              <a:rPr b="0" lang="en-US" sz="1300" spc="-1" strike="noStrike">
-                <a:solidFill>
-                  <a:srgbClr val="000000"/>
-                </a:solidFill>
-                <a:latin typeface="Calibri"/>
-                <a:ea typeface="DejaVu Sans"/>
-              </a:rPr>
-              <a:t> </a:t>
-            </a:r>
-            <a:r>
-              <a:rPr b="0" lang="en-US" sz="1300" spc="-1" strike="noStrike">
-                <a:solidFill>
-                  <a:srgbClr val="000000"/>
-                </a:solidFill>
-                <a:latin typeface="Calibri"/>
-                <a:ea typeface="DejaVu Sans"/>
-              </a:rPr>
-              <a:t>(</a:t>
-            </a:r>
-            <a:r>
-              <a:rPr b="0" lang="en-US" sz="1300" spc="-1" strike="noStrike">
-                <a:solidFill>
-                  <a:srgbClr val="000000"/>
-                </a:solidFill>
-                <a:latin typeface="Calibri"/>
-                <a:ea typeface="DejaVu Sans"/>
-              </a:rPr>
-              <a:t>e</a:t>
-            </a:r>
-            <a:r>
-              <a:rPr b="0" lang="en-US" sz="1300" spc="-1" strike="noStrike">
-                <a:solidFill>
-                  <a:srgbClr val="000000"/>
-                </a:solidFill>
-                <a:latin typeface="Calibri"/>
-                <a:ea typeface="DejaVu Sans"/>
-              </a:rPr>
-              <a:t>.</a:t>
-            </a:r>
-            <a:r>
-              <a:rPr b="0" lang="en-US" sz="1300" spc="-1" strike="noStrike">
-                <a:solidFill>
-                  <a:srgbClr val="000000"/>
-                </a:solidFill>
-                <a:latin typeface="Calibri"/>
-                <a:ea typeface="DejaVu Sans"/>
-              </a:rPr>
-              <a:t>g</a:t>
-            </a:r>
-            <a:r>
-              <a:rPr b="0" lang="en-US" sz="1300" spc="-1" strike="noStrike">
-                <a:solidFill>
-                  <a:srgbClr val="000000"/>
-                </a:solidFill>
-                <a:latin typeface="Calibri"/>
-                <a:ea typeface="DejaVu Sans"/>
-              </a:rPr>
-              <a:t>,</a:t>
-            </a:r>
-            <a:r>
-              <a:rPr b="0" lang="en-US" sz="1300" spc="-1" strike="noStrike">
-                <a:solidFill>
-                  <a:srgbClr val="000000"/>
-                </a:solidFill>
-                <a:latin typeface="Calibri"/>
-                <a:ea typeface="DejaVu Sans"/>
-              </a:rPr>
-              <a:t> </a:t>
-            </a:r>
-            <a:r>
-              <a:rPr b="0" lang="en-US" sz="1300" spc="-1" strike="noStrike">
-                <a:solidFill>
-                  <a:srgbClr val="000000"/>
-                </a:solidFill>
-                <a:latin typeface="Calibri"/>
-                <a:ea typeface="DejaVu Sans"/>
-              </a:rPr>
-              <a:t>f</a:t>
-            </a:r>
-            <a:r>
-              <a:rPr b="0" lang="en-US" sz="1300" spc="-1" strike="noStrike">
-                <a:solidFill>
-                  <a:srgbClr val="000000"/>
-                </a:solidFill>
-                <a:latin typeface="Calibri"/>
-                <a:ea typeface="DejaVu Sans"/>
-              </a:rPr>
-              <a:t>r</a:t>
-            </a:r>
-            <a:r>
-              <a:rPr b="0" lang="en-US" sz="1300" spc="-1" strike="noStrike">
-                <a:solidFill>
-                  <a:srgbClr val="000000"/>
-                </a:solidFill>
-                <a:latin typeface="Calibri"/>
-                <a:ea typeface="DejaVu Sans"/>
-              </a:rPr>
-              <a:t>o</a:t>
-            </a:r>
-            <a:r>
-              <a:rPr b="0" lang="en-US" sz="1300" spc="-1" strike="noStrike">
-                <a:solidFill>
-                  <a:srgbClr val="000000"/>
-                </a:solidFill>
-                <a:latin typeface="Calibri"/>
-                <a:ea typeface="DejaVu Sans"/>
-              </a:rPr>
-              <a:t>m</a:t>
-            </a:r>
-            <a:r>
-              <a:rPr b="0" lang="en-US" sz="1300" spc="-1" strike="noStrike">
-                <a:solidFill>
-                  <a:srgbClr val="000000"/>
-                </a:solidFill>
-                <a:latin typeface="Calibri"/>
-                <a:ea typeface="DejaVu Sans"/>
-              </a:rPr>
-              <a:t> </a:t>
-            </a:r>
-            <a:r>
-              <a:rPr b="0" lang="en-US" sz="1300" spc="-1" strike="noStrike">
-                <a:solidFill>
-                  <a:srgbClr val="000000"/>
-                </a:solidFill>
-                <a:latin typeface="Calibri"/>
-                <a:ea typeface="DejaVu Sans"/>
-              </a:rPr>
-              <a:t>5</a:t>
-            </a:r>
-            <a:r>
-              <a:rPr b="0" lang="en-US" sz="1300" spc="-1" strike="noStrike">
-                <a:solidFill>
-                  <a:srgbClr val="000000"/>
-                </a:solidFill>
-                <a:latin typeface="Calibri"/>
-                <a:ea typeface="DejaVu Sans"/>
-              </a:rPr>
-              <a:t>0</a:t>
-            </a:r>
-            <a:r>
-              <a:rPr b="0" lang="en-US" sz="1300" spc="-1" strike="noStrike">
-                <a:solidFill>
-                  <a:srgbClr val="000000"/>
-                </a:solidFill>
-                <a:latin typeface="Calibri"/>
-                <a:ea typeface="DejaVu Sans"/>
-              </a:rPr>
-              <a:t>0</a:t>
-            </a:r>
-            <a:r>
-              <a:rPr b="0" lang="en-US" sz="1300" spc="-1" strike="noStrike">
-                <a:solidFill>
-                  <a:srgbClr val="000000"/>
-                </a:solidFill>
-                <a:latin typeface="Calibri"/>
-                <a:ea typeface="DejaVu Sans"/>
-              </a:rPr>
-              <a:t>M</a:t>
-            </a:r>
-            <a:r>
-              <a:rPr b="0" lang="en-US" sz="1300" spc="-1" strike="noStrike">
-                <a:solidFill>
-                  <a:srgbClr val="000000"/>
-                </a:solidFill>
-                <a:latin typeface="Calibri"/>
-                <a:ea typeface="DejaVu Sans"/>
-              </a:rPr>
-              <a:t>B</a:t>
-            </a:r>
-            <a:r>
-              <a:rPr b="0" lang="en-US" sz="1300" spc="-1" strike="noStrike">
-                <a:solidFill>
-                  <a:srgbClr val="000000"/>
-                </a:solidFill>
-                <a:latin typeface="Calibri"/>
-                <a:ea typeface="DejaVu Sans"/>
-              </a:rPr>
-              <a:t> </a:t>
-            </a:r>
-            <a:r>
-              <a:rPr b="0" lang="en-US" sz="1300" spc="-1" strike="noStrike">
-                <a:solidFill>
-                  <a:srgbClr val="000000"/>
-                </a:solidFill>
-                <a:latin typeface="Calibri"/>
-                <a:ea typeface="DejaVu Sans"/>
-              </a:rPr>
-              <a:t>t</a:t>
-            </a:r>
-            <a:r>
-              <a:rPr b="0" lang="en-US" sz="1300" spc="-1" strike="noStrike">
-                <a:solidFill>
-                  <a:srgbClr val="000000"/>
-                </a:solidFill>
-                <a:latin typeface="Calibri"/>
-                <a:ea typeface="DejaVu Sans"/>
-              </a:rPr>
-              <a:t>o</a:t>
-            </a:r>
-            <a:r>
-              <a:rPr b="0" lang="en-US" sz="1300" spc="-1" strike="noStrike">
-                <a:solidFill>
-                  <a:srgbClr val="000000"/>
-                </a:solidFill>
-                <a:latin typeface="Calibri"/>
-                <a:ea typeface="DejaVu Sans"/>
-              </a:rPr>
-              <a:t> </a:t>
-            </a:r>
-            <a:r>
-              <a:rPr b="0" lang="en-US" sz="1300" spc="-1" strike="noStrike">
-                <a:solidFill>
-                  <a:srgbClr val="000000"/>
-                </a:solidFill>
-                <a:latin typeface="Calibri"/>
-                <a:ea typeface="DejaVu Sans"/>
-              </a:rPr>
-              <a:t>1</a:t>
-            </a:r>
-            <a:r>
-              <a:rPr b="0" lang="en-US" sz="1300" spc="-1" strike="noStrike">
-                <a:solidFill>
-                  <a:srgbClr val="000000"/>
-                </a:solidFill>
-                <a:latin typeface="Calibri"/>
-                <a:ea typeface="DejaVu Sans"/>
-              </a:rPr>
-              <a:t>0</a:t>
-            </a:r>
-            <a:r>
-              <a:rPr b="0" lang="en-US" sz="1300" spc="-1" strike="noStrike">
-                <a:solidFill>
-                  <a:srgbClr val="000000"/>
-                </a:solidFill>
-                <a:latin typeface="Calibri"/>
-                <a:ea typeface="DejaVu Sans"/>
-              </a:rPr>
-              <a:t>0</a:t>
-            </a:r>
-            <a:r>
-              <a:rPr b="0" lang="en-US" sz="1300" spc="-1" strike="noStrike">
-                <a:solidFill>
-                  <a:srgbClr val="000000"/>
-                </a:solidFill>
-                <a:latin typeface="Calibri"/>
-                <a:ea typeface="DejaVu Sans"/>
-              </a:rPr>
-              <a:t>-</a:t>
-            </a:r>
-            <a:r>
-              <a:rPr b="0" lang="en-US" sz="1300" spc="-1" strike="noStrike">
-                <a:solidFill>
-                  <a:srgbClr val="000000"/>
-                </a:solidFill>
-                <a:latin typeface="Calibri"/>
-                <a:ea typeface="DejaVu Sans"/>
-              </a:rPr>
-              <a:t>G</a:t>
-            </a:r>
-            <a:r>
-              <a:rPr b="0" lang="en-US" sz="1300" spc="-1" strike="noStrike">
-                <a:solidFill>
-                  <a:srgbClr val="000000"/>
-                </a:solidFill>
-                <a:latin typeface="Calibri"/>
-                <a:ea typeface="DejaVu Sans"/>
-              </a:rPr>
-              <a:t>B</a:t>
-            </a:r>
-            <a:r>
-              <a:rPr b="0" lang="en-US" sz="1300" spc="-1" strike="noStrike">
-                <a:solidFill>
-                  <a:srgbClr val="000000"/>
-                </a:solidFill>
-                <a:latin typeface="Calibri"/>
-                <a:ea typeface="DejaVu Sans"/>
-              </a:rPr>
-              <a:t>)</a:t>
-            </a:r>
-            <a:r>
-              <a:rPr b="0" lang="en-US" sz="1300" spc="-1" strike="noStrike">
-                <a:solidFill>
-                  <a:srgbClr val="000000"/>
-                </a:solidFill>
-                <a:latin typeface="Calibri"/>
-                <a:ea typeface="DejaVu Sans"/>
-              </a:rPr>
-              <a:t>.</a:t>
+              <a:t>2.1 The computer (North Bridge system) with system speed and memory capacity improvement (e.g, from 500MB to 100-GB).</a:t>
             </a:r>
             <a:endParaRPr b="0" lang="en-US" sz="1300" spc="-1" strike="noStrike">
               <a:latin typeface="Arial"/>
@@ -8583,7 +6703,7 @@
         <p:spPr>
           <a:xfrm>
             <a:off x="2880" y="759600"/>
-            <a:ext cx="9138600" cy="338400"/>
+            <a:ext cx="9138240" cy="338040"/>
           </a:xfrm>
           <a:prstGeom prst="rect">
             <a:avLst/>
@@ -8649,7 +6769,7 @@
         <p:spPr>
           <a:xfrm>
             <a:off x="6553080" y="6356520"/>
-            <a:ext cx="2112120" cy="343440"/>
+            <a:ext cx="2111760" cy="343080"/>
           </a:xfrm>
           <a:prstGeom prst="rect">
             <a:avLst/>
@@ -8685,7 +6805,7 @@
               </a:lnSpc>
               <a:buNone/>
             </a:pPr>
-            <a:fld id="{4E9A2372-4D6A-49E9-8918-1C2C5E384EBE}" type="slidenum">
+            <a:fld id="{AB65D16B-C079-4444-80A1-47E2633A2274}" type="slidenum">
               <a:rPr b="0" lang="en-US" sz="1200" spc="-1" strike="noStrike">
                 <a:solidFill>
                   <a:srgbClr val="8b8b8b"/>
@@ -8714,7 +6834,7 @@
         <p:spPr>
           <a:xfrm>
             <a:off x="685800" y="2786760"/>
-            <a:ext cx="2743200" cy="870840"/>
+            <a:ext cx="2742840" cy="870480"/>
           </a:xfrm>
           <a:prstGeom prst="rect">
             <a:avLst/>
@@ -8738,8 +6858,8 @@
         </p:blipFill>
         <p:spPr>
           <a:xfrm>
-            <a:off x="6231240" y="2514600"/>
-            <a:ext cx="2226960" cy="3429000"/>
+            <a:off x="5029200" y="1226520"/>
+            <a:ext cx="3657240" cy="5631480"/>
           </a:xfrm>
           <a:prstGeom prst="rect">
             <a:avLst/>
@@ -8754,13 +6874,13 @@
       <p:sp>
         <p:nvSpPr>
           <p:cNvPr id="102" name=""/>
-          <p:cNvSpPr txBox="1"/>
+          <p:cNvSpPr/>
           <p:nvPr/>
         </p:nvSpPr>
         <p:spPr>
           <a:xfrm>
             <a:off x="457200" y="4114800"/>
-            <a:ext cx="3429000" cy="459000"/>
+            <a:ext cx="3428640" cy="458640"/>
           </a:xfrm>
           <a:prstGeom prst="rect">
             <a:avLst/>
@@ -8772,11 +6892,23 @@
             </a:solidFill>
           </a:ln>
         </p:spPr>
+        <p:style>
+          <a:lnRef idx="0"/>
+          <a:fillRef idx="0"/>
+          <a:effectRef idx="0"/>
+          <a:fontRef idx="minor"/>
+        </p:style>
         <p:txBody>
           <a:bodyPr lIns="90000" rIns="90000" tIns="45000" bIns="45000" anchor="t">
             <a:noAutofit/>
           </a:bodyPr>
           <a:p>
+            <a:pPr>
+              <a:lnSpc>
+                <a:spcPct val="100000"/>
+              </a:lnSpc>
+              <a:buNone/>
+            </a:pPr>
             <a:r>
               <a:rPr b="0" lang="en-US" sz="1300" spc="-1" strike="noStrike">
                 <a:latin typeface="Arial"/>
@@ -8803,9 +6935,9 @@
         <p:txBody>
           <a:bodyPr/>
           <a:p>
-            <a:fld id="{5631F40D-0938-432B-AB48-B9C5329013B0}" type="datetime1">
+            <a:fld id="{C2D8257F-B813-49C9-B65B-24C220DFA0F9}" type="datetime1">
               <a:rPr lang="en-US"/>
-              <a:t>01/18/2024</a:t>
+              <a:t>01/25/2024</a:t>
             </a:fld>
           </a:p>
         </p:txBody>
@@ -8853,7 +6985,7 @@
         <p:spPr>
           <a:xfrm>
             <a:off x="0" y="0"/>
-            <a:ext cx="9141480" cy="743040"/>
+            <a:ext cx="9141120" cy="742680"/>
           </a:xfrm>
           <a:prstGeom prst="rect">
             <a:avLst/>
@@ -8913,7 +7045,7 @@
         <p:spPr>
           <a:xfrm>
             <a:off x="248400" y="1302120"/>
-            <a:ext cx="8438400" cy="1669680"/>
+            <a:ext cx="8438040" cy="1669320"/>
           </a:xfrm>
           <a:prstGeom prst="rect">
             <a:avLst/>
@@ -9080,7 +7212,7 @@
         <p:spPr>
           <a:xfrm>
             <a:off x="2880" y="759600"/>
-            <a:ext cx="9138600" cy="338400"/>
+            <a:ext cx="9138240" cy="338040"/>
           </a:xfrm>
           <a:prstGeom prst="rect">
             <a:avLst/>
@@ -9146,7 +7278,7 @@
         <p:spPr>
           <a:xfrm>
             <a:off x="6553080" y="6356520"/>
-            <a:ext cx="2112120" cy="343440"/>
+            <a:ext cx="2111760" cy="343080"/>
           </a:xfrm>
           <a:prstGeom prst="rect">
             <a:avLst/>
@@ -9182,7 +7314,7 @@
               </a:lnSpc>
               <a:buNone/>
             </a:pPr>
-            <a:fld id="{4E385739-6E1F-449C-8AAA-2699C9A9C718}" type="slidenum">
+            <a:fld id="{EF39F2A9-7D8D-4B7E-B6E6-EC9B549B04EA}" type="slidenum">
               <a:rPr b="0" lang="en-US" sz="1200" spc="-1" strike="noStrike">
                 <a:solidFill>
                   <a:srgbClr val="8b8b8b"/>
@@ -9211,7 +7343,7 @@
         <p:spPr>
           <a:xfrm>
             <a:off x="687600" y="4343400"/>
-            <a:ext cx="2284200" cy="2161800"/>
+            <a:ext cx="2283840" cy="2161440"/>
           </a:xfrm>
           <a:prstGeom prst="rect">
             <a:avLst/>
@@ -9236,7 +7368,7 @@
         <p:spPr>
           <a:xfrm>
             <a:off x="5257800" y="4343400"/>
-            <a:ext cx="3611160" cy="1933200"/>
+            <a:ext cx="3610800" cy="1932840"/>
           </a:xfrm>
           <a:prstGeom prst="rect">
             <a:avLst/>
@@ -9251,13 +7383,13 @@
       <p:sp>
         <p:nvSpPr>
           <p:cNvPr id="109" name=""/>
-          <p:cNvSpPr txBox="1"/>
+          <p:cNvSpPr/>
           <p:nvPr/>
         </p:nvSpPr>
         <p:spPr>
           <a:xfrm>
             <a:off x="5257800" y="3840120"/>
-            <a:ext cx="1600200" cy="274680"/>
+            <a:ext cx="1599840" cy="274320"/>
           </a:xfrm>
           <a:prstGeom prst="rect">
             <a:avLst/>
@@ -9269,11 +7401,23 @@
             </a:solidFill>
           </a:ln>
         </p:spPr>
+        <p:style>
+          <a:lnRef idx="0"/>
+          <a:fillRef idx="0"/>
+          <a:effectRef idx="0"/>
+          <a:fontRef idx="minor"/>
+        </p:style>
         <p:txBody>
           <a:bodyPr lIns="90000" rIns="90000" tIns="45000" bIns="45000" anchor="t">
             <a:noAutofit/>
           </a:bodyPr>
           <a:p>
+            <a:pPr>
+              <a:lnSpc>
+                <a:spcPct val="100000"/>
+              </a:lnSpc>
+              <a:buNone/>
+            </a:pPr>
             <a:r>
               <a:rPr b="0" lang="en-US" sz="1300" spc="-1" strike="noStrike">
                 <a:latin typeface="Arial"/>
@@ -9289,13 +7433,13 @@
       <p:sp>
         <p:nvSpPr>
           <p:cNvPr id="110" name=""/>
-          <p:cNvSpPr txBox="1"/>
+          <p:cNvSpPr/>
           <p:nvPr/>
         </p:nvSpPr>
         <p:spPr>
           <a:xfrm>
             <a:off x="685800" y="3657600"/>
-            <a:ext cx="2286000" cy="346320"/>
+            <a:ext cx="2285640" cy="345960"/>
           </a:xfrm>
           <a:prstGeom prst="rect">
             <a:avLst/>
@@ -9307,11 +7451,23 @@
             </a:solidFill>
           </a:ln>
         </p:spPr>
+        <p:style>
+          <a:lnRef idx="0"/>
+          <a:fillRef idx="0"/>
+          <a:effectRef idx="0"/>
+          <a:fontRef idx="minor"/>
+        </p:style>
         <p:txBody>
           <a:bodyPr lIns="90000" rIns="90000" tIns="45000" bIns="45000" anchor="t">
             <a:noAutofit/>
           </a:bodyPr>
           <a:p>
+            <a:pPr>
+              <a:lnSpc>
+                <a:spcPct val="100000"/>
+              </a:lnSpc>
+              <a:buNone/>
+            </a:pPr>
             <a:r>
               <a:rPr b="0" lang="en-US" sz="1300" spc="-1" strike="noStrike">
                 <a:latin typeface="Arial"/>
@@ -9338,9 +7494,9 @@
         <p:txBody>
           <a:bodyPr/>
           <a:p>
-            <a:fld id="{A34185FB-FDE4-4CA1-A340-FDFC54236FFC}" type="datetime1">
+            <a:fld id="{2ECBC607-5C5B-43D5-A9EE-505C904F9B43}" type="datetime1">
               <a:rPr lang="en-US"/>
-              <a:t>01/18/2024</a:t>
+              <a:t>01/25/2024</a:t>
             </a:fld>
           </a:p>
         </p:txBody>
@@ -9388,7 +7544,7 @@
         <p:spPr>
           <a:xfrm>
             <a:off x="0" y="0"/>
-            <a:ext cx="9141480" cy="743040"/>
+            <a:ext cx="9141120" cy="742680"/>
           </a:xfrm>
           <a:prstGeom prst="rect">
             <a:avLst/>
@@ -9448,7 +7604,7 @@
         <p:spPr>
           <a:xfrm>
             <a:off x="248400" y="1302120"/>
-            <a:ext cx="8438400" cy="3041280"/>
+            <a:ext cx="8438040" cy="3040920"/>
           </a:xfrm>
           <a:prstGeom prst="rect">
             <a:avLst/>
@@ -9486,37 +7642,7 @@
                 <a:latin typeface="Calibri"/>
                 <a:ea typeface="DejaVu Sans"/>
               </a:rPr>
-              <a:t>Why Deep </a:t>
-            </a:r>
-            <a:r>
-              <a:rPr b="1" lang="en-US" sz="1300" spc="-1" strike="noStrike">
-                <a:solidFill>
-                  <a:srgbClr val="000000"/>
-                </a:solidFill>
-                <a:latin typeface="Calibri"/>
-                <a:ea typeface="DejaVu Sans"/>
-              </a:rPr>
-              <a:t>Learning is so </a:t>
-            </a:r>
-            <a:r>
-              <a:rPr b="1" lang="en-US" sz="1300" spc="-1" strike="noStrike">
-                <a:solidFill>
-                  <a:srgbClr val="000000"/>
-                </a:solidFill>
-                <a:latin typeface="Calibri"/>
-                <a:ea typeface="DejaVu Sans"/>
-              </a:rPr>
-              <a:t>Popular? (2:31-</a:t>
-            </a:r>
-            <a:r>
-              <a:rPr b="1" lang="en-US" sz="1300" spc="-1" strike="noStrike">
-                <a:solidFill>
-                  <a:srgbClr val="000000"/>
-                </a:solidFill>
-                <a:latin typeface="Calibri"/>
-                <a:ea typeface="DejaVu Sans"/>
-              </a:rPr>
-              <a:t>3:00/5:24)</a:t>
+              <a:t>Why Deep Learning is so Popular? (2:31-3:00/5:24)</a:t>
             </a:r>
             <a:endParaRPr b="0" lang="en-US" sz="1300" spc="-1" strike="noStrike">
               <a:latin typeface="Arial"/>
@@ -9544,27 +7670,7 @@
                 <a:latin typeface="Calibri"/>
                 <a:ea typeface="DejaVu Sans"/>
               </a:rPr>
-              <a:t>3. Python and </a:t>
-            </a:r>
-            <a:r>
-              <a:rPr b="0" lang="en-US" sz="1300" spc="-1" strike="noStrike">
-                <a:solidFill>
-                  <a:srgbClr val="000000"/>
-                </a:solidFill>
-                <a:latin typeface="Calibri"/>
-                <a:ea typeface="DejaVu Sans"/>
-              </a:rPr>
-              <a:t>Open-source </a:t>
-            </a:r>
-            <a:r>
-              <a:rPr b="0" lang="en-US" sz="1300" spc="-1" strike="noStrike">
-                <a:solidFill>
-                  <a:srgbClr val="000000"/>
-                </a:solidFill>
-                <a:latin typeface="Calibri"/>
-                <a:ea typeface="DejaVu Sans"/>
-              </a:rPr>
-              <a:t>Ecosystem: </a:t>
+              <a:t>3. Python and Open-source Ecosystem: </a:t>
             </a:r>
             <a:endParaRPr b="0" lang="en-US" sz="1300" spc="-1" strike="noStrike">
               <a:latin typeface="Arial"/>
@@ -9592,17 +7698,7 @@
                 <a:latin typeface="Calibri"/>
                 <a:ea typeface="DejaVu Sans"/>
               </a:rPr>
-              <a:t>This is the most </a:t>
-            </a:r>
-            <a:r>
-              <a:rPr b="0" lang="en-US" sz="1300" spc="-1" strike="noStrike">
-                <a:solidFill>
-                  <a:srgbClr val="000000"/>
-                </a:solidFill>
-                <a:latin typeface="Calibri"/>
-                <a:ea typeface="DejaVu Sans"/>
-              </a:rPr>
-              <a:t>important reason.</a:t>
+              <a:t>This is the most important reason.</a:t>
             </a:r>
             <a:endParaRPr b="0" lang="en-US" sz="1300" spc="-1" strike="noStrike">
               <a:latin typeface="Arial"/>
@@ -9630,37 +7726,7 @@
                 <a:latin typeface="Calibri"/>
                 <a:ea typeface="DejaVu Sans"/>
               </a:rPr>
-              <a:t>Previously, I used </a:t>
-            </a:r>
-            <a:r>
-              <a:rPr b="0" lang="en-US" sz="1300" spc="-1" strike="noStrike">
-                <a:solidFill>
-                  <a:srgbClr val="000000"/>
-                </a:solidFill>
-                <a:latin typeface="Calibri"/>
-                <a:ea typeface="DejaVu Sans"/>
-              </a:rPr>
-              <a:t>C++ for neural </a:t>
-            </a:r>
-            <a:r>
-              <a:rPr b="0" lang="en-US" sz="1300" spc="-1" strike="noStrike">
-                <a:solidFill>
-                  <a:srgbClr val="000000"/>
-                </a:solidFill>
-                <a:latin typeface="Calibri"/>
-                <a:ea typeface="DejaVu Sans"/>
-              </a:rPr>
-              <a:t>network. It is hard </a:t>
-            </a:r>
-            <a:r>
-              <a:rPr b="0" lang="en-US" sz="1300" spc="-1" strike="noStrike">
-                <a:solidFill>
-                  <a:srgbClr val="000000"/>
-                </a:solidFill>
-                <a:latin typeface="Calibri"/>
-                <a:ea typeface="DejaVu Sans"/>
-              </a:rPr>
-              <a:t>to implement.</a:t>
+              <a:t>Previously, I used C++ for neural network. It is hard to implement.</a:t>
             </a:r>
             <a:endParaRPr b="0" lang="en-US" sz="1300" spc="-1" strike="noStrike">
               <a:latin typeface="Arial"/>
@@ -9688,37 +7754,7 @@
                 <a:latin typeface="Calibri"/>
                 <a:ea typeface="DejaVu Sans"/>
               </a:rPr>
-              <a:t>You need very </a:t>
-            </a:r>
-            <a:r>
-              <a:rPr b="0" lang="en-US" sz="1300" spc="-1" strike="noStrike">
-                <a:solidFill>
-                  <a:srgbClr val="000000"/>
-                </a:solidFill>
-                <a:latin typeface="Calibri"/>
-                <a:ea typeface="DejaVu Sans"/>
-              </a:rPr>
-              <a:t>strong foundation </a:t>
-            </a:r>
-            <a:r>
-              <a:rPr b="0" lang="en-US" sz="1300" spc="-1" strike="noStrike">
-                <a:solidFill>
-                  <a:srgbClr val="000000"/>
-                </a:solidFill>
-                <a:latin typeface="Calibri"/>
-                <a:ea typeface="DejaVu Sans"/>
-              </a:rPr>
-              <a:t>in computer </a:t>
-            </a:r>
-            <a:r>
-              <a:rPr b="0" lang="en-US" sz="1300" spc="-1" strike="noStrike">
-                <a:solidFill>
-                  <a:srgbClr val="000000"/>
-                </a:solidFill>
-                <a:latin typeface="Calibri"/>
-                <a:ea typeface="DejaVu Sans"/>
-              </a:rPr>
-              <a:t>science.</a:t>
+              <a:t>You need very strong foundation in computer science.</a:t>
             </a:r>
             <a:endParaRPr b="0" lang="en-US" sz="1300" spc="-1" strike="noStrike">
               <a:latin typeface="Arial"/>
@@ -9746,47 +7782,7 @@
                 <a:latin typeface="Calibri"/>
                 <a:ea typeface="DejaVu Sans"/>
               </a:rPr>
-              <a:t>But Python is very </a:t>
-            </a:r>
-            <a:r>
-              <a:rPr b="0" lang="en-US" sz="1300" spc="-1" strike="noStrike">
-                <a:solidFill>
-                  <a:srgbClr val="000000"/>
-                </a:solidFill>
-                <a:latin typeface="Calibri"/>
-                <a:ea typeface="DejaVu Sans"/>
-              </a:rPr>
-              <a:t>easy to learn cross </a:t>
-            </a:r>
-            <a:r>
-              <a:rPr b="0" lang="en-US" sz="1300" spc="-1" strike="noStrike">
-                <a:solidFill>
-                  <a:srgbClr val="000000"/>
-                </a:solidFill>
-                <a:latin typeface="Calibri"/>
-                <a:ea typeface="DejaVu Sans"/>
-              </a:rPr>
-              <a:t>all the disciplines </a:t>
-            </a:r>
-            <a:r>
-              <a:rPr b="0" lang="en-US" sz="1300" spc="-1" strike="noStrike">
-                <a:solidFill>
-                  <a:srgbClr val="000000"/>
-                </a:solidFill>
-                <a:latin typeface="Calibri"/>
-                <a:ea typeface="DejaVu Sans"/>
-              </a:rPr>
-              <a:t>and all grades of </a:t>
-            </a:r>
-            <a:r>
-              <a:rPr b="0" lang="en-US" sz="1300" spc="-1" strike="noStrike">
-                <a:solidFill>
-                  <a:srgbClr val="000000"/>
-                </a:solidFill>
-                <a:latin typeface="Calibri"/>
-                <a:ea typeface="DejaVu Sans"/>
-              </a:rPr>
-              <a:t>elementary school.</a:t>
+              <a:t>But Python is very easy to learn cross all the disciplines and all grades of elementary school.</a:t>
             </a:r>
             <a:endParaRPr b="0" lang="en-US" sz="1300" spc="-1" strike="noStrike">
               <a:latin typeface="Arial"/>
@@ -9814,77 +7810,7 @@
                 <a:latin typeface="Calibri"/>
                 <a:ea typeface="DejaVu Sans"/>
               </a:rPr>
-              <a:t>Python is very easy </a:t>
-            </a:r>
-            <a:r>
-              <a:rPr b="0" lang="en-US" sz="1300" spc="-1" strike="noStrike">
-                <a:solidFill>
-                  <a:srgbClr val="000000"/>
-                </a:solidFill>
-                <a:latin typeface="Calibri"/>
-                <a:ea typeface="DejaVu Sans"/>
-              </a:rPr>
-              <a:t>for mathematical </a:t>
-            </a:r>
-            <a:r>
-              <a:rPr b="0" lang="en-US" sz="1300" spc="-1" strike="noStrike">
-                <a:solidFill>
-                  <a:srgbClr val="000000"/>
-                </a:solidFill>
-                <a:latin typeface="Calibri"/>
-                <a:ea typeface="DejaVu Sans"/>
-              </a:rPr>
-              <a:t>and statistics </a:t>
-            </a:r>
-            <a:r>
-              <a:rPr b="0" lang="en-US" sz="1300" spc="-1" strike="noStrike">
-                <a:solidFill>
-                  <a:srgbClr val="000000"/>
-                </a:solidFill>
-                <a:latin typeface="Calibri"/>
-                <a:ea typeface="DejaVu Sans"/>
-              </a:rPr>
-              <a:t>background, they </a:t>
-            </a:r>
-            <a:r>
-              <a:rPr b="0" lang="en-US" sz="1300" spc="-1" strike="noStrike">
-                <a:solidFill>
-                  <a:srgbClr val="000000"/>
-                </a:solidFill>
-                <a:latin typeface="Calibri"/>
-                <a:ea typeface="DejaVu Sans"/>
-              </a:rPr>
-              <a:t>can learn and write </a:t>
-            </a:r>
-            <a:r>
-              <a:rPr b="0" lang="en-US" sz="1300" spc="-1" strike="noStrike">
-                <a:solidFill>
-                  <a:srgbClr val="000000"/>
-                </a:solidFill>
-                <a:latin typeface="Calibri"/>
-                <a:ea typeface="DejaVu Sans"/>
-              </a:rPr>
-              <a:t>deep learning in a </a:t>
-            </a:r>
-            <a:r>
-              <a:rPr b="0" lang="en-US" sz="1300" spc="-1" strike="noStrike">
-                <a:solidFill>
-                  <a:srgbClr val="000000"/>
-                </a:solidFill>
-                <a:latin typeface="Calibri"/>
-                <a:ea typeface="DejaVu Sans"/>
-              </a:rPr>
-              <a:t>week. C++ is too </a:t>
-            </a:r>
-            <a:r>
-              <a:rPr b="0" lang="en-US" sz="1300" spc="-1" strike="noStrike">
-                <a:solidFill>
-                  <a:srgbClr val="000000"/>
-                </a:solidFill>
-                <a:latin typeface="Calibri"/>
-                <a:ea typeface="DejaVu Sans"/>
-              </a:rPr>
-              <a:t>hard to learn.</a:t>
+              <a:t>Python is very easy for mathematical and statistics background, they can learn and write deep learning in a week. C++ is too hard to learn.</a:t>
             </a:r>
             <a:endParaRPr b="0" lang="en-US" sz="1300" spc="-1" strike="noStrike">
               <a:latin typeface="Arial"/>
@@ -9912,127 +7838,7 @@
                 <a:latin typeface="Calibri"/>
                 <a:ea typeface="DejaVu Sans"/>
               </a:rPr>
-              <a:t>Meta PyTorch </a:t>
-            </a:r>
-            <a:r>
-              <a:rPr b="0" lang="en-US" sz="1300" spc="-1" strike="noStrike">
-                <a:solidFill>
-                  <a:srgbClr val="000000"/>
-                </a:solidFill>
-                <a:latin typeface="Calibri"/>
-                <a:ea typeface="DejaVu Sans"/>
-              </a:rPr>
-              <a:t>libraries and Google </a:t>
-            </a:r>
-            <a:r>
-              <a:rPr b="0" lang="en-US" sz="1300" spc="-1" strike="noStrike">
-                <a:solidFill>
-                  <a:srgbClr val="000000"/>
-                </a:solidFill>
-                <a:latin typeface="Calibri"/>
-                <a:ea typeface="DejaVu Sans"/>
-              </a:rPr>
-              <a:t>Tensorflow are </a:t>
-            </a:r>
-            <a:r>
-              <a:rPr b="0" lang="en-US" sz="1300" spc="-1" strike="noStrike">
-                <a:solidFill>
-                  <a:srgbClr val="000000"/>
-                </a:solidFill>
-                <a:latin typeface="Calibri"/>
-                <a:ea typeface="DejaVu Sans"/>
-              </a:rPr>
-              <a:t>framework: </a:t>
-            </a:r>
-            <a:r>
-              <a:rPr b="0" lang="en-US" sz="1300" spc="-1" strike="noStrike">
-                <a:solidFill>
-                  <a:srgbClr val="000000"/>
-                </a:solidFill>
-                <a:latin typeface="Calibri"/>
-                <a:ea typeface="DejaVu Sans"/>
-              </a:rPr>
-              <a:t>framework are </a:t>
-            </a:r>
-            <a:r>
-              <a:rPr b="0" lang="en-US" sz="1300" spc="-1" strike="noStrike">
-                <a:solidFill>
-                  <a:srgbClr val="000000"/>
-                </a:solidFill>
-                <a:latin typeface="Calibri"/>
-                <a:ea typeface="DejaVu Sans"/>
-              </a:rPr>
-              <a:t>collections of </a:t>
-            </a:r>
-            <a:r>
-              <a:rPr b="0" lang="en-US" sz="1300" spc="-1" strike="noStrike">
-                <a:solidFill>
-                  <a:srgbClr val="000000"/>
-                </a:solidFill>
-                <a:latin typeface="Calibri"/>
-                <a:ea typeface="DejaVu Sans"/>
-              </a:rPr>
-              <a:t>libraries (folder), </a:t>
-            </a:r>
-            <a:r>
-              <a:rPr b="0" lang="en-US" sz="1300" spc="-1" strike="noStrike">
-                <a:solidFill>
-                  <a:srgbClr val="000000"/>
-                </a:solidFill>
-                <a:latin typeface="Calibri"/>
-                <a:ea typeface="DejaVu Sans"/>
-              </a:rPr>
-              <a:t>packages (files), </a:t>
-            </a:r>
-            <a:r>
-              <a:rPr b="0" lang="en-US" sz="1300" spc="-1" strike="noStrike">
-                <a:solidFill>
-                  <a:srgbClr val="000000"/>
-                </a:solidFill>
-                <a:latin typeface="Calibri"/>
-                <a:ea typeface="DejaVu Sans"/>
-              </a:rPr>
-              <a:t>classes (object-</a:t>
-            </a:r>
-            <a:r>
-              <a:rPr b="0" lang="en-US" sz="1300" spc="-1" strike="noStrike">
-                <a:solidFill>
-                  <a:srgbClr val="000000"/>
-                </a:solidFill>
-                <a:latin typeface="Calibri"/>
-                <a:ea typeface="DejaVu Sans"/>
-              </a:rPr>
-              <a:t>based), methods </a:t>
-            </a:r>
-            <a:r>
-              <a:rPr b="0" lang="en-US" sz="1300" spc="-1" strike="noStrike">
-                <a:solidFill>
-                  <a:srgbClr val="000000"/>
-                </a:solidFill>
-                <a:latin typeface="Calibri"/>
-                <a:ea typeface="DejaVu Sans"/>
-              </a:rPr>
-              <a:t>(functions inside </a:t>
-            </a:r>
-            <a:r>
-              <a:rPr b="0" lang="en-US" sz="1300" spc="-1" strike="noStrike">
-                <a:solidFill>
-                  <a:srgbClr val="000000"/>
-                </a:solidFill>
-                <a:latin typeface="Calibri"/>
-                <a:ea typeface="DejaVu Sans"/>
-              </a:rPr>
-              <a:t>the class). These </a:t>
-            </a:r>
-            <a:r>
-              <a:rPr b="0" lang="en-US" sz="1300" spc="-1" strike="noStrike">
-                <a:solidFill>
-                  <a:srgbClr val="000000"/>
-                </a:solidFill>
-                <a:latin typeface="Calibri"/>
-                <a:ea typeface="DejaVu Sans"/>
-              </a:rPr>
-              <a:t>are all free.</a:t>
+              <a:t>Meta PyTorch library and Google Tensorflow framework: framework are collections of libraries (folder), packages (files), classes (object-based), methods (functions inside the class). These are all free.</a:t>
             </a:r>
             <a:endParaRPr b="0" lang="en-US" sz="1300" spc="-1" strike="noStrike">
               <a:latin typeface="Arial"/>
@@ -10060,17 +7866,7 @@
                 <a:latin typeface="Calibri"/>
                 <a:ea typeface="DejaVu Sans"/>
               </a:rPr>
-              <a:t>We can cloud to </a:t>
-            </a:r>
-            <a:r>
-              <a:rPr b="0" lang="en-US" sz="1300" spc="-1" strike="noStrike">
-                <a:solidFill>
-                  <a:srgbClr val="000000"/>
-                </a:solidFill>
-                <a:latin typeface="Calibri"/>
-                <a:ea typeface="DejaVu Sans"/>
-              </a:rPr>
-              <a:t>save hardware cost. </a:t>
+              <a:t>We can use cloud to save hardware cost. </a:t>
             </a:r>
             <a:endParaRPr b="0" lang="en-US" sz="1300" spc="-1" strike="noStrike">
               <a:latin typeface="Arial"/>
@@ -10098,47 +7894,7 @@
                 <a:latin typeface="Calibri"/>
                 <a:ea typeface="DejaVu Sans"/>
               </a:rPr>
-              <a:t>If you are not in AI, </a:t>
-            </a:r>
-            <a:r>
-              <a:rPr b="0" lang="en-US" sz="1300" spc="-1" strike="noStrike">
-                <a:solidFill>
-                  <a:srgbClr val="000000"/>
-                </a:solidFill>
-                <a:latin typeface="Calibri"/>
-                <a:ea typeface="DejaVu Sans"/>
-              </a:rPr>
-              <a:t>ML, DL, DRL, LLM, </a:t>
-            </a:r>
-            <a:r>
-              <a:rPr b="0" lang="en-US" sz="1300" spc="-1" strike="noStrike">
-                <a:solidFill>
-                  <a:srgbClr val="000000"/>
-                </a:solidFill>
-                <a:latin typeface="Calibri"/>
-                <a:ea typeface="DejaVu Sans"/>
-              </a:rPr>
-              <a:t>Full Stack, etc, you </a:t>
-            </a:r>
-            <a:r>
-              <a:rPr b="0" lang="en-US" sz="1300" spc="-1" strike="noStrike">
-                <a:solidFill>
-                  <a:srgbClr val="000000"/>
-                </a:solidFill>
-                <a:latin typeface="Calibri"/>
-                <a:ea typeface="DejaVu Sans"/>
-              </a:rPr>
-              <a:t>are far behind the </a:t>
-            </a:r>
-            <a:r>
-              <a:rPr b="0" lang="en-US" sz="1300" spc="-1" strike="noStrike">
-                <a:solidFill>
-                  <a:srgbClr val="000000"/>
-                </a:solidFill>
-                <a:latin typeface="Calibri"/>
-                <a:ea typeface="DejaVu Sans"/>
-              </a:rPr>
-              <a:t>market.</a:t>
+              <a:t>If you are not in AI, ML, DL, DRL, LLM, Full Stack, etc, you are far behind the market.</a:t>
             </a:r>
             <a:endParaRPr b="0" lang="en-US" sz="1300" spc="-1" strike="noStrike">
               <a:latin typeface="Arial"/>
@@ -10155,7 +7911,7 @@
         <p:spPr>
           <a:xfrm>
             <a:off x="2880" y="759600"/>
-            <a:ext cx="9138600" cy="338400"/>
+            <a:ext cx="9138240" cy="338040"/>
           </a:xfrm>
           <a:prstGeom prst="rect">
             <a:avLst/>
@@ -10221,7 +7977,7 @@
         <p:spPr>
           <a:xfrm>
             <a:off x="6553080" y="6356520"/>
-            <a:ext cx="2112120" cy="343440"/>
+            <a:ext cx="2111760" cy="343080"/>
           </a:xfrm>
           <a:prstGeom prst="rect">
             <a:avLst/>
@@ -10257,7 +8013,7 @@
               </a:lnSpc>
               <a:buNone/>
             </a:pPr>
-            <a:fld id="{DA169C4E-A913-419C-A51D-EE371F71FFBF}" type="slidenum">
+            <a:fld id="{58A66C53-2A22-4A1A-BC09-3EE508FEE215}" type="slidenum">
               <a:rPr b="0" lang="en-US" sz="1200" spc="-1" strike="noStrike">
                 <a:solidFill>
                   <a:srgbClr val="8b8b8b"/>
@@ -10286,7 +8042,7 @@
         <p:spPr>
           <a:xfrm>
             <a:off x="914400" y="4800960"/>
-            <a:ext cx="4266720" cy="914040"/>
+            <a:ext cx="4266360" cy="913680"/>
           </a:xfrm>
           <a:prstGeom prst="rect">
             <a:avLst/>
@@ -10312,9 +8068,9 @@
         <p:txBody>
           <a:bodyPr/>
           <a:p>
-            <a:fld id="{02365B82-FAA8-464B-B1E6-B78B300F2ACF}" type="datetime1">
+            <a:fld id="{1C7A89DA-101D-4C39-A240-1C5544A6E166}" type="datetime1">
               <a:rPr lang="en-US"/>
-              <a:t>01/18/2024</a:t>
+              <a:t>01/25/2024</a:t>
             </a:fld>
           </a:p>
         </p:txBody>
@@ -10362,7 +8118,7 @@
         <p:spPr>
           <a:xfrm>
             <a:off x="0" y="2130480"/>
-            <a:ext cx="9122400" cy="1448280"/>
+            <a:ext cx="9122040" cy="1447920"/>
           </a:xfrm>
           <a:prstGeom prst="rect">
             <a:avLst/>
@@ -10401,17 +8157,7 @@
                 <a:latin typeface="Calibri"/>
                 <a:ea typeface="DejaVu Sans"/>
               </a:rPr>
-              <a:t>En</a:t>
-            </a:r>
-            <a:r>
-              <a:rPr b="1" lang="en-US" sz="6000" spc="-1" strike="noStrike">
-                <a:solidFill>
-                  <a:srgbClr val="ffff00"/>
-                </a:solidFill>
-                <a:latin typeface="Calibri"/>
-                <a:ea typeface="DejaVu Sans"/>
-              </a:rPr>
-              <a:t>d</a:t>
+              <a:t>End</a:t>
             </a:r>
             <a:endParaRPr b="0" lang="en-US" sz="6000" spc="-1" strike="noStrike">
               <a:latin typeface="Arial"/>
@@ -10433,7 +8179,7 @@
         <p:txBody>
           <a:bodyPr/>
           <a:p>
-            <a:fld id="{6CCE2FF6-077E-47CD-8BA6-F8CD87EC2238}" type="slidenum">
+            <a:fld id="{72EB7E31-11B0-4983-BE26-55B3C6DA60CB}" type="slidenum">
               <a:t>6</a:t>
             </a:fld>
           </a:p>
@@ -10453,9 +8199,9 @@
         <p:txBody>
           <a:bodyPr/>
           <a:p>
-            <a:fld id="{3ABA0406-6381-4315-9230-26F5E954DEBF}" type="datetime1">
+            <a:fld id="{B5E22796-42E9-4BF8-B906-6757DE90947F}" type="datetime1">
               <a:rPr lang="en-US"/>
-              <a:t>01/18/2024</a:t>
+              <a:t>01/25/2024</a:t>
             </a:fld>
           </a:p>
         </p:txBody>
